--- a/notebooks/html/4_Introduction_to_Sampling.pptx
+++ b/notebooks/html/4_Introduction_to_Sampling.pptx
@@ -5,10 +5,10 @@
     <p:sldMasterId id="2147483660" r:id="rId1"/>
   </p:sldMasterIdLst>
   <p:notesMasterIdLst>
-    <p:notesMasterId r:id="rId19"/>
+    <p:notesMasterId r:id="rId23"/>
   </p:notesMasterIdLst>
   <p:handoutMasterIdLst>
-    <p:handoutMasterId r:id="rId20"/>
+    <p:handoutMasterId r:id="rId24"/>
   </p:handoutMasterIdLst>
   <p:sldIdLst>
     <p:sldId id="256" r:id="rId2"/>
@@ -27,7 +27,11 @@
     <p:sldId id="275" r:id="rId15"/>
     <p:sldId id="276" r:id="rId16"/>
     <p:sldId id="277" r:id="rId17"/>
-    <p:sldId id="283" r:id="rId18"/>
+    <p:sldId id="287" r:id="rId18"/>
+    <p:sldId id="286" r:id="rId19"/>
+    <p:sldId id="285" r:id="rId20"/>
+    <p:sldId id="284" r:id="rId21"/>
+    <p:sldId id="283" r:id="rId22"/>
   </p:sldIdLst>
   <p:sldSz cx="12192000" cy="6858000"/>
   <p:notesSz cx="6858000" cy="9144000"/>
@@ -228,7 +232,7 @@
           <a:p>
             <a:fld id="{6D0BFDE5-5B9C-1348-B3A7-621F47AF5A3A}" type="datetimeFigureOut">
               <a:rPr lang="en-US" smtClean="0"/>
-              <a:t>5/3/22</a:t>
+              <a:t>5/5/22</a:t>
             </a:fld>
             <a:endParaRPr lang="en-US"/>
           </a:p>
@@ -406,7 +410,7 @@
           <a:p>
             <a:fld id="{F438453F-F1B3-B848-B302-15F3A290B787}" type="datetimeFigureOut">
               <a:rPr lang="en-US" smtClean="0"/>
-              <a:t>5/3/22</a:t>
+              <a:t>5/5/22</a:t>
             </a:fld>
             <a:endParaRPr lang="en-US"/>
           </a:p>
@@ -674,6 +678,109 @@
 </p:notesMaster>
 </file>
 
+<file path=ppt/notesSlides/notesSlide1.xml><?xml version="1.0" encoding="utf-8"?>
+<p:notes xmlns:a="http://schemas.openxmlformats.org/drawingml/2006/main" xmlns:r="http://schemas.openxmlformats.org/officeDocument/2006/relationships" xmlns:p="http://schemas.openxmlformats.org/presentationml/2006/main">
+  <p:cSld>
+    <p:spTree>
+      <p:nvGrpSpPr>
+        <p:cNvPr id="1" name=""/>
+        <p:cNvGrpSpPr/>
+        <p:nvPr/>
+      </p:nvGrpSpPr>
+      <p:grpSpPr>
+        <a:xfrm>
+          <a:off x="0" y="0"/>
+          <a:ext cx="0" cy="0"/>
+          <a:chOff x="0" y="0"/>
+          <a:chExt cx="0" cy="0"/>
+        </a:xfrm>
+      </p:grpSpPr>
+      <p:sp>
+        <p:nvSpPr>
+          <p:cNvPr id="2" name="Slide Image Placeholder 1"/>
+          <p:cNvSpPr>
+            <a:spLocks noGrp="1" noRot="1" noChangeAspect="1"/>
+          </p:cNvSpPr>
+          <p:nvPr>
+            <p:ph type="sldImg"/>
+          </p:nvPr>
+        </p:nvSpPr>
+        <p:spPr/>
+      </p:sp>
+      <p:sp>
+        <p:nvSpPr>
+          <p:cNvPr id="3" name="Notes Placeholder 2"/>
+          <p:cNvSpPr>
+            <a:spLocks noGrp="1"/>
+          </p:cNvSpPr>
+          <p:nvPr>
+            <p:ph type="body" idx="1"/>
+          </p:nvPr>
+        </p:nvSpPr>
+        <p:spPr/>
+        <p:txBody>
+          <a:bodyPr/>
+          <a:lstStyle/>
+          <a:p>
+            <a:endParaRPr lang="en-US" dirty="0"/>
+          </a:p>
+        </p:txBody>
+      </p:sp>
+      <p:sp>
+        <p:nvSpPr>
+          <p:cNvPr id="4" name="Footer Placeholder 3"/>
+          <p:cNvSpPr>
+            <a:spLocks noGrp="1"/>
+          </p:cNvSpPr>
+          <p:nvPr>
+            <p:ph type="ftr" sz="quarter" idx="4"/>
+          </p:nvPr>
+        </p:nvSpPr>
+        <p:spPr/>
+        <p:txBody>
+          <a:bodyPr/>
+          <a:lstStyle/>
+          <a:p>
+            <a:endParaRPr lang="en-US"/>
+          </a:p>
+        </p:txBody>
+      </p:sp>
+      <p:sp>
+        <p:nvSpPr>
+          <p:cNvPr id="5" name="Slide Number Placeholder 4"/>
+          <p:cNvSpPr>
+            <a:spLocks noGrp="1"/>
+          </p:cNvSpPr>
+          <p:nvPr>
+            <p:ph type="sldNum" sz="quarter" idx="5"/>
+          </p:nvPr>
+        </p:nvSpPr>
+        <p:spPr/>
+        <p:txBody>
+          <a:bodyPr/>
+          <a:lstStyle/>
+          <a:p>
+            <a:fld id="{F6E364AE-9DF5-5645-AC21-FAA2E408BB29}" type="slidenum">
+              <a:rPr lang="en-US" smtClean="0"/>
+              <a:t>8</a:t>
+            </a:fld>
+            <a:endParaRPr lang="en-US"/>
+          </a:p>
+        </p:txBody>
+      </p:sp>
+    </p:spTree>
+    <p:extLst>
+      <p:ext uri="{BB962C8B-B14F-4D97-AF65-F5344CB8AC3E}">
+        <p14:creationId xmlns:p14="http://schemas.microsoft.com/office/powerpoint/2010/main" val="2888752526"/>
+      </p:ext>
+    </p:extLst>
+  </p:cSld>
+  <p:clrMapOvr>
+    <a:masterClrMapping/>
+  </p:clrMapOvr>
+</p:notes>
+</file>
+
 <file path=ppt/slideLayouts/slideLayout1.xml><?xml version="1.0" encoding="utf-8"?>
 <p:sldLayout xmlns:a="http://schemas.openxmlformats.org/drawingml/2006/main" xmlns:r="http://schemas.openxmlformats.org/officeDocument/2006/relationships" xmlns:p="http://schemas.openxmlformats.org/presentationml/2006/main" showMasterSp="0" type="title" preserve="1">
   <p:cSld name="Title Slide">
@@ -993,11 +1100,10 @@
           <a:bodyPr/>
           <a:lstStyle/>
           <a:p>
-            <a:fld id="{414FE1D6-1A39-D84A-B5AA-B6A778789908}" type="datetime3">
-              <a:rPr lang="en-US" smtClean="0"/>
-              <a:t>3 May 2022</a:t>
-            </a:fld>
-            <a:endParaRPr lang="en-US"/>
+            <a:r>
+              <a:rPr lang="en-US"/>
+              <a:t>11 May 2022</a:t>
+            </a:r>
           </a:p>
         </p:txBody>
       </p:sp>
@@ -1204,11 +1310,10 @@
           <a:bodyPr/>
           <a:lstStyle/>
           <a:p>
-            <a:fld id="{E0C218C5-3101-FD49-997D-52DC15F8AD61}" type="datetime3">
-              <a:rPr lang="en-US" smtClean="0"/>
-              <a:t>3 May 2022</a:t>
-            </a:fld>
-            <a:endParaRPr lang="en-US"/>
+            <a:r>
+              <a:rPr lang="en-US"/>
+              <a:t>11 May 2022</a:t>
+            </a:r>
           </a:p>
         </p:txBody>
       </p:sp>
@@ -1405,11 +1510,10 @@
           <a:bodyPr/>
           <a:lstStyle/>
           <a:p>
-            <a:fld id="{DB492B3D-F0D2-0E4F-89FA-8814ADAEEA11}" type="datetime3">
-              <a:rPr lang="en-US" smtClean="0"/>
-              <a:t>3 May 2022</a:t>
-            </a:fld>
-            <a:endParaRPr lang="en-US"/>
+            <a:r>
+              <a:rPr lang="en-US"/>
+              <a:t>11 May 2022</a:t>
+            </a:r>
           </a:p>
         </p:txBody>
       </p:sp>
@@ -1879,11 +1983,10 @@
           <a:bodyPr/>
           <a:lstStyle/>
           <a:p>
-            <a:fld id="{B1C7AAC1-0DAF-8B45-9213-C862628C9DBA}" type="datetime3">
-              <a:rPr lang="en-US" smtClean="0"/>
-              <a:t>3 May 2022</a:t>
-            </a:fld>
-            <a:endParaRPr lang="en-US"/>
+            <a:r>
+              <a:rPr lang="en-US"/>
+              <a:t>11 May 2022</a:t>
+            </a:r>
           </a:p>
         </p:txBody>
       </p:sp>
@@ -2294,11 +2397,10 @@
           <a:bodyPr/>
           <a:lstStyle/>
           <a:p>
-            <a:fld id="{CA91E045-07A4-2940-AECD-98C3AE5A77D1}" type="datetime3">
-              <a:rPr lang="en-US" smtClean="0"/>
-              <a:t>3 May 2022</a:t>
-            </a:fld>
-            <a:endParaRPr lang="en-US"/>
+            <a:r>
+              <a:rPr lang="en-US"/>
+              <a:t>11 May 2022</a:t>
+            </a:r>
           </a:p>
         </p:txBody>
       </p:sp>
@@ -2438,11 +2540,10 @@
           <a:bodyPr/>
           <a:lstStyle/>
           <a:p>
-            <a:fld id="{7F42CB57-A3ED-AB45-8906-BC235E667C59}" type="datetime3">
-              <a:rPr lang="en-US" smtClean="0"/>
-              <a:t>3 May 2022</a:t>
-            </a:fld>
-            <a:endParaRPr lang="en-US"/>
+            <a:r>
+              <a:rPr lang="en-US"/>
+              <a:t>11 May 2022</a:t>
+            </a:r>
           </a:p>
         </p:txBody>
       </p:sp>
@@ -2554,11 +2655,10 @@
           <a:bodyPr/>
           <a:lstStyle/>
           <a:p>
-            <a:fld id="{2E6972C4-A444-6D44-A047-39EE4DB9DF81}" type="datetime3">
-              <a:rPr lang="en-US" smtClean="0"/>
-              <a:t>3 May 2022</a:t>
-            </a:fld>
-            <a:endParaRPr lang="en-US"/>
+            <a:r>
+              <a:rPr lang="en-US"/>
+              <a:t>11 May 2022</a:t>
+            </a:r>
           </a:p>
         </p:txBody>
       </p:sp>
@@ -2868,11 +2968,10 @@
           <a:bodyPr/>
           <a:lstStyle/>
           <a:p>
-            <a:fld id="{3081B075-0849-6C49-B18E-0FAEE8A3E14A}" type="datetime3">
-              <a:rPr lang="en-US" smtClean="0"/>
-              <a:t>3 May 2022</a:t>
-            </a:fld>
-            <a:endParaRPr lang="en-US"/>
+            <a:r>
+              <a:rPr lang="en-US"/>
+              <a:t>11 May 2022</a:t>
+            </a:r>
           </a:p>
         </p:txBody>
       </p:sp>
@@ -3162,11 +3261,10 @@
           <a:bodyPr/>
           <a:lstStyle/>
           <a:p>
-            <a:fld id="{E13684E9-DD79-3142-B323-D44BF99C1541}" type="datetime3">
-              <a:rPr lang="en-US" smtClean="0"/>
-              <a:t>3 May 2022</a:t>
-            </a:fld>
-            <a:endParaRPr lang="en-US"/>
+            <a:r>
+              <a:rPr lang="en-US"/>
+              <a:t>11 May 2022</a:t>
+            </a:r>
           </a:p>
         </p:txBody>
       </p:sp>
@@ -3406,11 +3504,10 @@
             </a:lvl1pPr>
           </a:lstStyle>
           <a:p>
-            <a:fld id="{5A0764DF-F764-2B49-A4F0-AAA90498C27D}" type="datetime3">
-              <a:rPr lang="en-US" smtClean="0"/>
-              <a:t>3 May 2022</a:t>
-            </a:fld>
-            <a:endParaRPr lang="en-US"/>
+            <a:r>
+              <a:rPr lang="en-US"/>
+              <a:t>11 May 2022</a:t>
+            </a:r>
           </a:p>
         </p:txBody>
       </p:sp>
@@ -4343,11 +4440,10 @@
           <a:bodyPr/>
           <a:lstStyle/>
           <a:p>
-            <a:fld id="{2FD03208-DEE4-AF41-82DA-CF82542AB28A}" type="datetime3">
-              <a:rPr lang="en-US" smtClean="0"/>
-              <a:t>3 May 2022</a:t>
-            </a:fld>
-            <a:endParaRPr lang="en-US"/>
+            <a:r>
+              <a:rPr lang="en-US"/>
+              <a:t>11 May 2022</a:t>
+            </a:r>
           </a:p>
         </p:txBody>
       </p:sp>
@@ -4589,11 +4685,10 @@
           <a:bodyPr/>
           <a:lstStyle/>
           <a:p>
-            <a:fld id="{2FD03208-DEE4-AF41-82DA-CF82542AB28A}" type="datetime3">
-              <a:rPr lang="en-US" smtClean="0"/>
-              <a:t>3 May 2022</a:t>
-            </a:fld>
-            <a:endParaRPr lang="en-US"/>
+            <a:r>
+              <a:rPr lang="en-US"/>
+              <a:t>11 May 2022</a:t>
+            </a:r>
           </a:p>
         </p:txBody>
       </p:sp>
@@ -4828,11 +4923,10 @@
           <a:bodyPr/>
           <a:lstStyle/>
           <a:p>
-            <a:fld id="{F5B56D38-497D-D448-B14A-9FB71441A1D2}" type="datetime3">
-              <a:rPr lang="en-US" smtClean="0"/>
-              <a:t>3 May 2022</a:t>
-            </a:fld>
-            <a:endParaRPr lang="en-US"/>
+            <a:r>
+              <a:rPr lang="en-US"/>
+              <a:t>11 May 2022</a:t>
+            </a:r>
           </a:p>
         </p:txBody>
       </p:sp>
@@ -5811,11 +5905,10 @@
           <a:bodyPr/>
           <a:lstStyle/>
           <a:p>
-            <a:fld id="{F5B56D38-497D-D448-B14A-9FB71441A1D2}" type="datetime3">
-              <a:rPr lang="en-US" smtClean="0"/>
-              <a:t>3 May 2022</a:t>
-            </a:fld>
-            <a:endParaRPr lang="en-US"/>
+            <a:r>
+              <a:rPr lang="en-US"/>
+              <a:t>11 May 2022</a:t>
+            </a:r>
           </a:p>
         </p:txBody>
       </p:sp>
@@ -6370,11 +6463,10 @@
           <a:bodyPr/>
           <a:lstStyle/>
           <a:p>
-            <a:fld id="{F5B56D38-497D-D448-B14A-9FB71441A1D2}" type="datetime3">
-              <a:rPr lang="en-US" smtClean="0"/>
-              <a:t>3 May 2022</a:t>
-            </a:fld>
-            <a:endParaRPr lang="en-US"/>
+            <a:r>
+              <a:rPr lang="en-US"/>
+              <a:t>11 May 2022</a:t>
+            </a:r>
           </a:p>
         </p:txBody>
       </p:sp>
@@ -7169,11 +7261,10 @@
           <a:bodyPr/>
           <a:lstStyle/>
           <a:p>
-            <a:fld id="{B2E2DE31-9ECC-104A-91D8-05DA9743092D}" type="datetime3">
-              <a:rPr lang="en-US" smtClean="0"/>
-              <a:t>3 May 2022</a:t>
-            </a:fld>
-            <a:endParaRPr lang="en-US"/>
+            <a:r>
+              <a:rPr lang="en-US"/>
+              <a:t>11 May 2022</a:t>
+            </a:r>
           </a:p>
         </p:txBody>
       </p:sp>
@@ -7298,7 +7389,7 @@
                   <a:schemeClr val="accent4"/>
                 </a:solidFill>
               </a:rPr>
-              <a:t>Uncertainty estimates (linearization / Taylor-based)</a:t>
+              <a:t>Uncertainty estimates (linearization / Taylor series)</a:t>
             </a:r>
           </a:p>
         </p:txBody>
@@ -8374,11 +8465,10 @@
           <a:bodyPr/>
           <a:lstStyle/>
           <a:p>
-            <a:fld id="{B2E2DE31-9ECC-104A-91D8-05DA9743092D}" type="datetime3">
-              <a:rPr lang="en-US" smtClean="0"/>
-              <a:t>3 May 2022</a:t>
-            </a:fld>
-            <a:endParaRPr lang="en-US"/>
+            <a:r>
+              <a:rPr lang="en-US"/>
+              <a:t>11 May 2022</a:t>
+            </a:r>
           </a:p>
         </p:txBody>
       </p:sp>
@@ -8474,7 +8564,7 @@
           <p:cNvPr id="2" name="Title 1">
             <a:extLst>
               <a:ext uri="{FF2B5EF4-FFF2-40B4-BE49-F238E27FC236}">
-                <a16:creationId xmlns:a16="http://schemas.microsoft.com/office/drawing/2014/main" id="{D780D2DD-6342-92B1-588C-C946E296B204}"/>
+                <a16:creationId xmlns:a16="http://schemas.microsoft.com/office/drawing/2014/main" id="{7EE6FEA7-597B-9A4E-8443-DFB2F9009678}"/>
               </a:ext>
             </a:extLst>
           </p:cNvPr>
@@ -8482,30 +8572,1257 @@
             <a:spLocks noGrp="1"/>
           </p:cNvSpPr>
           <p:nvPr>
-            <p:ph type="ctrTitle"/>
+            <p:ph type="title"/>
           </p:nvPr>
         </p:nvSpPr>
         <p:spPr/>
         <p:txBody>
-          <a:bodyPr>
-            <a:normAutofit/>
-          </a:bodyPr>
+          <a:bodyPr/>
           <a:lstStyle/>
           <a:p>
             <a:r>
               <a:rPr lang="en-US" dirty="0"/>
-              <a:t>Let’s use samplics!</a:t>
-            </a:r>
-            <a:endParaRPr lang="en-US" i="1" dirty="0"/>
-          </a:p>
-        </p:txBody>
-      </p:sp>
-      <p:sp>
-        <p:nvSpPr>
-          <p:cNvPr id="3" name="Subtitle 2">
+              <a:t>Parameter estimation</a:t>
+            </a:r>
+            <a:br>
+              <a:rPr lang="en-US" dirty="0"/>
+            </a:br>
+            <a:r>
+              <a:rPr lang="en-US" sz="3200" dirty="0">
+                <a:solidFill>
+                  <a:schemeClr val="accent4"/>
+                </a:solidFill>
+              </a:rPr>
+              <a:t>Uncertainty estimates (linearization / Taylor series)</a:t>
+            </a:r>
+          </a:p>
+        </p:txBody>
+      </p:sp>
+      <mc:AlternateContent xmlns:mc="http://schemas.openxmlformats.org/markup-compatibility/2006">
+        <mc:Choice xmlns:a14="http://schemas.microsoft.com/office/drawing/2010/main" Requires="a14">
+          <p:sp>
+            <p:nvSpPr>
+              <p:cNvPr id="3" name="Content Placeholder 2">
+                <a:extLst>
+                  <a:ext uri="{FF2B5EF4-FFF2-40B4-BE49-F238E27FC236}">
+                    <a16:creationId xmlns:a16="http://schemas.microsoft.com/office/drawing/2014/main" id="{8F10B1BA-6322-9441-BC42-17E9F7261AF0}"/>
+                  </a:ext>
+                </a:extLst>
+              </p:cNvPr>
+              <p:cNvSpPr>
+                <a:spLocks noGrp="1"/>
+              </p:cNvSpPr>
+              <p:nvPr>
+                <p:ph idx="1"/>
+              </p:nvPr>
+            </p:nvSpPr>
+            <p:spPr/>
+            <p:txBody>
+              <a:bodyPr>
+                <a:normAutofit fontScale="92500"/>
+              </a:bodyPr>
+              <a:lstStyle/>
+              <a:p>
+                <a:pPr marL="0" indent="0">
+                  <a:lnSpc>
+                    <a:spcPct val="110000"/>
+                  </a:lnSpc>
+                  <a:buNone/>
+                </a:pPr>
+                <a:r>
+                  <a:rPr lang="en-US" sz="2400" dirty="0"/>
+                  <a:t>Example of linearization of the ratio estimator</a:t>
+                </a:r>
+              </a:p>
+              <a:p>
+                <a:pPr marL="457200" indent="-457200">
+                  <a:lnSpc>
+                    <a:spcPct val="110000"/>
+                  </a:lnSpc>
+                  <a:buFont typeface="+mj-lt"/>
+                  <a:buAutoNum type="arabicPeriod"/>
+                </a:pPr>
+                <a:r>
+                  <a:rPr lang="en-US" sz="2400" dirty="0"/>
+                  <a:t>Express the ratio estimator as a function of totals </a:t>
+                </a:r>
+              </a:p>
+              <a:p>
+                <a:pPr marL="457200" lvl="1" indent="0">
+                  <a:lnSpc>
+                    <a:spcPct val="110000"/>
+                  </a:lnSpc>
+                  <a:buNone/>
+                </a:pPr>
+                <a14:m>
+                  <m:oMath xmlns:m="http://schemas.openxmlformats.org/officeDocument/2006/math">
+                    <m:r>
+                      <a:rPr lang="en-US" sz="2000" b="0" i="1" smtClean="0">
+                        <a:latin typeface="Cambria Math" panose="02040503050406030204" pitchFamily="18" charset="0"/>
+                      </a:rPr>
+                      <m:t>𝑅</m:t>
+                    </m:r>
+                    <m:r>
+                      <a:rPr lang="en-US" sz="2000" b="0" i="1" smtClean="0">
+                        <a:latin typeface="Cambria Math" panose="02040503050406030204" pitchFamily="18" charset="0"/>
+                      </a:rPr>
+                      <m:t>=</m:t>
+                    </m:r>
+                    <m:r>
+                      <a:rPr lang="en-US" sz="2000" b="0" i="1" smtClean="0">
+                        <a:latin typeface="Cambria Math" panose="02040503050406030204" pitchFamily="18" charset="0"/>
+                      </a:rPr>
+                      <m:t>h</m:t>
+                    </m:r>
+                    <m:d>
+                      <m:dPr>
+                        <m:ctrlPr>
+                          <a:rPr lang="en-US" sz="2000" b="0" i="1" smtClean="0">
+                            <a:latin typeface="Cambria Math" panose="02040503050406030204" pitchFamily="18" charset="0"/>
+                          </a:rPr>
+                        </m:ctrlPr>
+                      </m:dPr>
+                      <m:e>
+                        <m:sSub>
+                          <m:sSubPr>
+                            <m:ctrlPr>
+                              <a:rPr lang="en-US" sz="2000" b="0" i="1" smtClean="0">
+                                <a:latin typeface="Cambria Math" panose="02040503050406030204" pitchFamily="18" charset="0"/>
+                              </a:rPr>
+                            </m:ctrlPr>
+                          </m:sSubPr>
+                          <m:e>
+                            <m:r>
+                              <a:rPr lang="en-US" sz="2000" b="0" i="1" smtClean="0">
+                                <a:latin typeface="Cambria Math" panose="02040503050406030204" pitchFamily="18" charset="0"/>
+                              </a:rPr>
+                              <m:t>𝑡</m:t>
+                            </m:r>
+                          </m:e>
+                          <m:sub>
+                            <m:r>
+                              <a:rPr lang="en-US" sz="2000" b="0" i="1" smtClean="0">
+                                <a:latin typeface="Cambria Math" panose="02040503050406030204" pitchFamily="18" charset="0"/>
+                              </a:rPr>
+                              <m:t>𝑥</m:t>
+                            </m:r>
+                          </m:sub>
+                        </m:sSub>
+                        <m:r>
+                          <a:rPr lang="en-US" sz="2000" b="0" i="1" smtClean="0">
+                            <a:latin typeface="Cambria Math" panose="02040503050406030204" pitchFamily="18" charset="0"/>
+                          </a:rPr>
+                          <m:t>, </m:t>
+                        </m:r>
+                        <m:sSub>
+                          <m:sSubPr>
+                            <m:ctrlPr>
+                              <a:rPr lang="en-US" sz="2000" b="0" i="1" smtClean="0">
+                                <a:latin typeface="Cambria Math" panose="02040503050406030204" pitchFamily="18" charset="0"/>
+                              </a:rPr>
+                            </m:ctrlPr>
+                          </m:sSubPr>
+                          <m:e>
+                            <m:r>
+                              <a:rPr lang="en-US" sz="2000" b="0" i="1" smtClean="0">
+                                <a:latin typeface="Cambria Math" panose="02040503050406030204" pitchFamily="18" charset="0"/>
+                              </a:rPr>
+                              <m:t>𝑡</m:t>
+                            </m:r>
+                          </m:e>
+                          <m:sub>
+                            <m:r>
+                              <a:rPr lang="en-US" sz="2000" b="0" i="1" smtClean="0">
+                                <a:latin typeface="Cambria Math" panose="02040503050406030204" pitchFamily="18" charset="0"/>
+                              </a:rPr>
+                              <m:t>𝑦</m:t>
+                            </m:r>
+                          </m:sub>
+                        </m:sSub>
+                      </m:e>
+                    </m:d>
+                    <m:r>
+                      <a:rPr lang="en-US" sz="2000" b="0" i="1" smtClean="0">
+                        <a:latin typeface="Cambria Math" panose="02040503050406030204" pitchFamily="18" charset="0"/>
+                      </a:rPr>
+                      <m:t>= </m:t>
+                    </m:r>
+                    <m:f>
+                      <m:fPr>
+                        <m:ctrlPr>
+                          <a:rPr lang="en-US" sz="2000" b="0" i="1" smtClean="0">
+                            <a:latin typeface="Cambria Math" panose="02040503050406030204" pitchFamily="18" charset="0"/>
+                          </a:rPr>
+                        </m:ctrlPr>
+                      </m:fPr>
+                      <m:num>
+                        <m:sSub>
+                          <m:sSubPr>
+                            <m:ctrlPr>
+                              <a:rPr lang="en-US" sz="2000" b="0" i="1" smtClean="0">
+                                <a:latin typeface="Cambria Math" panose="02040503050406030204" pitchFamily="18" charset="0"/>
+                              </a:rPr>
+                            </m:ctrlPr>
+                          </m:sSubPr>
+                          <m:e>
+                            <m:r>
+                              <a:rPr lang="en-US" sz="2000" b="0" i="1" smtClean="0">
+                                <a:latin typeface="Cambria Math" panose="02040503050406030204" pitchFamily="18" charset="0"/>
+                              </a:rPr>
+                              <m:t>𝑡</m:t>
+                            </m:r>
+                          </m:e>
+                          <m:sub>
+                            <m:r>
+                              <a:rPr lang="en-US" sz="2000" b="0" i="1" smtClean="0">
+                                <a:latin typeface="Cambria Math" panose="02040503050406030204" pitchFamily="18" charset="0"/>
+                              </a:rPr>
+                              <m:t>𝑦</m:t>
+                            </m:r>
+                          </m:sub>
+                        </m:sSub>
+                      </m:num>
+                      <m:den>
+                        <m:sSub>
+                          <m:sSubPr>
+                            <m:ctrlPr>
+                              <a:rPr lang="en-US" sz="2000" b="0" i="1" smtClean="0">
+                                <a:latin typeface="Cambria Math" panose="02040503050406030204" pitchFamily="18" charset="0"/>
+                              </a:rPr>
+                            </m:ctrlPr>
+                          </m:sSubPr>
+                          <m:e>
+                            <m:r>
+                              <a:rPr lang="en-US" sz="2000" b="0" i="1" smtClean="0">
+                                <a:latin typeface="Cambria Math" panose="02040503050406030204" pitchFamily="18" charset="0"/>
+                              </a:rPr>
+                              <m:t>𝑡</m:t>
+                            </m:r>
+                          </m:e>
+                          <m:sub>
+                            <m:r>
+                              <a:rPr lang="en-US" sz="2000" b="0" i="1" smtClean="0">
+                                <a:latin typeface="Cambria Math" panose="02040503050406030204" pitchFamily="18" charset="0"/>
+                              </a:rPr>
+                              <m:t>𝑥</m:t>
+                            </m:r>
+                          </m:sub>
+                        </m:sSub>
+                      </m:den>
+                    </m:f>
+                  </m:oMath>
+                </a14:m>
+                <a:r>
+                  <a:rPr lang="en-US" sz="2000" dirty="0"/>
+                  <a:t>  and </a:t>
+                </a:r>
+                <a14:m>
+                  <m:oMath xmlns:m="http://schemas.openxmlformats.org/officeDocument/2006/math">
+                    <m:acc>
+                      <m:accPr>
+                        <m:chr m:val="̂"/>
+                        <m:ctrlPr>
+                          <a:rPr lang="en-US" sz="2000" i="1" smtClean="0">
+                            <a:latin typeface="Cambria Math" panose="02040503050406030204" pitchFamily="18" charset="0"/>
+                          </a:rPr>
+                        </m:ctrlPr>
+                      </m:accPr>
+                      <m:e>
+                        <m:r>
+                          <a:rPr lang="en-US" sz="2000" b="0" i="1" smtClean="0">
+                            <a:latin typeface="Cambria Math" panose="02040503050406030204" pitchFamily="18" charset="0"/>
+                          </a:rPr>
+                          <m:t>𝑅</m:t>
+                        </m:r>
+                      </m:e>
+                    </m:acc>
+                    <m:r>
+                      <a:rPr lang="en-US" sz="2000" b="0" i="1" smtClean="0">
+                        <a:latin typeface="Cambria Math" panose="02040503050406030204" pitchFamily="18" charset="0"/>
+                      </a:rPr>
+                      <m:t>=</m:t>
+                    </m:r>
+                    <m:r>
+                      <a:rPr lang="en-US" sz="2000" b="0" i="1" smtClean="0">
+                        <a:latin typeface="Cambria Math" panose="02040503050406030204" pitchFamily="18" charset="0"/>
+                      </a:rPr>
+                      <m:t>h</m:t>
+                    </m:r>
+                    <m:d>
+                      <m:dPr>
+                        <m:ctrlPr>
+                          <a:rPr lang="en-US" sz="2000" b="0" i="1" smtClean="0">
+                            <a:latin typeface="Cambria Math" panose="02040503050406030204" pitchFamily="18" charset="0"/>
+                          </a:rPr>
+                        </m:ctrlPr>
+                      </m:dPr>
+                      <m:e>
+                        <m:sSub>
+                          <m:sSubPr>
+                            <m:ctrlPr>
+                              <a:rPr lang="en-US" sz="2000" b="0" i="1" smtClean="0">
+                                <a:latin typeface="Cambria Math" panose="02040503050406030204" pitchFamily="18" charset="0"/>
+                              </a:rPr>
+                            </m:ctrlPr>
+                          </m:sSubPr>
+                          <m:e>
+                            <m:acc>
+                              <m:accPr>
+                                <m:chr m:val="̂"/>
+                                <m:ctrlPr>
+                                  <a:rPr lang="en-US" sz="2000" b="0" i="1" smtClean="0">
+                                    <a:latin typeface="Cambria Math" panose="02040503050406030204" pitchFamily="18" charset="0"/>
+                                  </a:rPr>
+                                </m:ctrlPr>
+                              </m:accPr>
+                              <m:e>
+                                <m:r>
+                                  <a:rPr lang="en-US" sz="2000" b="0" i="1" smtClean="0">
+                                    <a:latin typeface="Cambria Math" panose="02040503050406030204" pitchFamily="18" charset="0"/>
+                                  </a:rPr>
+                                  <m:t>𝑡</m:t>
+                                </m:r>
+                              </m:e>
+                            </m:acc>
+                          </m:e>
+                          <m:sub>
+                            <m:r>
+                              <a:rPr lang="en-US" sz="2000" b="0" i="1" smtClean="0">
+                                <a:latin typeface="Cambria Math" panose="02040503050406030204" pitchFamily="18" charset="0"/>
+                              </a:rPr>
+                              <m:t>𝑥</m:t>
+                            </m:r>
+                          </m:sub>
+                        </m:sSub>
+                        <m:r>
+                          <a:rPr lang="en-US" sz="2000" b="0" i="1" smtClean="0">
+                            <a:latin typeface="Cambria Math" panose="02040503050406030204" pitchFamily="18" charset="0"/>
+                          </a:rPr>
+                          <m:t>,</m:t>
+                        </m:r>
+                        <m:sSub>
+                          <m:sSubPr>
+                            <m:ctrlPr>
+                              <a:rPr lang="en-US" sz="2000" i="1">
+                                <a:latin typeface="Cambria Math" panose="02040503050406030204" pitchFamily="18" charset="0"/>
+                              </a:rPr>
+                            </m:ctrlPr>
+                          </m:sSubPr>
+                          <m:e>
+                            <m:acc>
+                              <m:accPr>
+                                <m:chr m:val="̂"/>
+                                <m:ctrlPr>
+                                  <a:rPr lang="en-US" sz="2000" i="1">
+                                    <a:latin typeface="Cambria Math" panose="02040503050406030204" pitchFamily="18" charset="0"/>
+                                  </a:rPr>
+                                </m:ctrlPr>
+                              </m:accPr>
+                              <m:e>
+                                <m:r>
+                                  <a:rPr lang="en-US" sz="2000" i="1">
+                                    <a:latin typeface="Cambria Math" panose="02040503050406030204" pitchFamily="18" charset="0"/>
+                                  </a:rPr>
+                                  <m:t>𝑡</m:t>
+                                </m:r>
+                              </m:e>
+                            </m:acc>
+                          </m:e>
+                          <m:sub>
+                            <m:r>
+                              <a:rPr lang="en-US" sz="2000" b="0" i="1" smtClean="0">
+                                <a:latin typeface="Cambria Math" panose="02040503050406030204" pitchFamily="18" charset="0"/>
+                              </a:rPr>
+                              <m:t>𝑦</m:t>
+                            </m:r>
+                          </m:sub>
+                        </m:sSub>
+                      </m:e>
+                    </m:d>
+                    <m:r>
+                      <a:rPr lang="en-US" sz="2000" b="0" i="1" smtClean="0">
+                        <a:latin typeface="Cambria Math" panose="02040503050406030204" pitchFamily="18" charset="0"/>
+                      </a:rPr>
+                      <m:t>=</m:t>
+                    </m:r>
+                    <m:f>
+                      <m:fPr>
+                        <m:ctrlPr>
+                          <a:rPr lang="en-US" sz="2000" b="0" i="1" smtClean="0">
+                            <a:latin typeface="Cambria Math" panose="02040503050406030204" pitchFamily="18" charset="0"/>
+                          </a:rPr>
+                        </m:ctrlPr>
+                      </m:fPr>
+                      <m:num>
+                        <m:sSub>
+                          <m:sSubPr>
+                            <m:ctrlPr>
+                              <a:rPr lang="en-US" sz="2000" i="1">
+                                <a:latin typeface="Cambria Math" panose="02040503050406030204" pitchFamily="18" charset="0"/>
+                              </a:rPr>
+                            </m:ctrlPr>
+                          </m:sSubPr>
+                          <m:e>
+                            <m:acc>
+                              <m:accPr>
+                                <m:chr m:val="̂"/>
+                                <m:ctrlPr>
+                                  <a:rPr lang="en-US" sz="2000" i="1">
+                                    <a:latin typeface="Cambria Math" panose="02040503050406030204" pitchFamily="18" charset="0"/>
+                                  </a:rPr>
+                                </m:ctrlPr>
+                              </m:accPr>
+                              <m:e>
+                                <m:r>
+                                  <a:rPr lang="en-US" sz="2000" i="1">
+                                    <a:latin typeface="Cambria Math" panose="02040503050406030204" pitchFamily="18" charset="0"/>
+                                  </a:rPr>
+                                  <m:t>𝑡</m:t>
+                                </m:r>
+                              </m:e>
+                            </m:acc>
+                          </m:e>
+                          <m:sub>
+                            <m:r>
+                              <a:rPr lang="en-US" sz="2000" i="1">
+                                <a:latin typeface="Cambria Math" panose="02040503050406030204" pitchFamily="18" charset="0"/>
+                              </a:rPr>
+                              <m:t>𝑦</m:t>
+                            </m:r>
+                          </m:sub>
+                        </m:sSub>
+                      </m:num>
+                      <m:den>
+                        <m:sSub>
+                          <m:sSubPr>
+                            <m:ctrlPr>
+                              <a:rPr lang="en-US" sz="2000" i="1">
+                                <a:latin typeface="Cambria Math" panose="02040503050406030204" pitchFamily="18" charset="0"/>
+                              </a:rPr>
+                            </m:ctrlPr>
+                          </m:sSubPr>
+                          <m:e>
+                            <m:acc>
+                              <m:accPr>
+                                <m:chr m:val="̂"/>
+                                <m:ctrlPr>
+                                  <a:rPr lang="en-US" sz="2000" i="1">
+                                    <a:latin typeface="Cambria Math" panose="02040503050406030204" pitchFamily="18" charset="0"/>
+                                  </a:rPr>
+                                </m:ctrlPr>
+                              </m:accPr>
+                              <m:e>
+                                <m:r>
+                                  <a:rPr lang="en-US" sz="2000" i="1">
+                                    <a:latin typeface="Cambria Math" panose="02040503050406030204" pitchFamily="18" charset="0"/>
+                                  </a:rPr>
+                                  <m:t>𝑡</m:t>
+                                </m:r>
+                              </m:e>
+                            </m:acc>
+                          </m:e>
+                          <m:sub>
+                            <m:r>
+                              <a:rPr lang="en-US" sz="2000" i="1">
+                                <a:latin typeface="Cambria Math" panose="02040503050406030204" pitchFamily="18" charset="0"/>
+                              </a:rPr>
+                              <m:t>𝑥</m:t>
+                            </m:r>
+                          </m:sub>
+                        </m:sSub>
+                      </m:den>
+                    </m:f>
+                  </m:oMath>
+                </a14:m>
+                <a:endParaRPr lang="en-US" sz="2000" dirty="0"/>
+              </a:p>
+              <a:p>
+                <a:pPr marL="457200" indent="-457200">
+                  <a:lnSpc>
+                    <a:spcPct val="110000"/>
+                  </a:lnSpc>
+                  <a:buFont typeface="+mj-lt"/>
+                  <a:buAutoNum type="arabicPeriod"/>
+                </a:pPr>
+                <a:r>
+                  <a:rPr lang="en-US" sz="2400" dirty="0"/>
+                  <a:t>Using Taylor Series for linearization, we get</a:t>
+                </a:r>
+              </a:p>
+              <a:p>
+                <a:pPr marL="457200" lvl="1" indent="0">
+                  <a:lnSpc>
+                    <a:spcPct val="110000"/>
+                  </a:lnSpc>
+                  <a:buNone/>
+                </a:pPr>
+                <a14:m>
+                  <m:oMathPara xmlns:m="http://schemas.openxmlformats.org/officeDocument/2006/math">
+                    <m:oMathParaPr>
+                      <m:jc m:val="centerGroup"/>
+                    </m:oMathParaPr>
+                    <m:oMath xmlns:m="http://schemas.openxmlformats.org/officeDocument/2006/math">
+                      <m:acc>
+                        <m:accPr>
+                          <m:chr m:val="̂"/>
+                          <m:ctrlPr>
+                            <a:rPr lang="en-US" sz="2000" i="1">
+                              <a:latin typeface="Cambria Math" panose="02040503050406030204" pitchFamily="18" charset="0"/>
+                            </a:rPr>
+                          </m:ctrlPr>
+                        </m:accPr>
+                        <m:e>
+                          <m:r>
+                            <a:rPr lang="en-US" sz="2000" i="1">
+                              <a:latin typeface="Cambria Math" panose="02040503050406030204" pitchFamily="18" charset="0"/>
+                            </a:rPr>
+                            <m:t>𝑅</m:t>
+                          </m:r>
+                        </m:e>
+                      </m:acc>
+                      <m:r>
+                        <a:rPr lang="en-US" sz="2000" i="1" smtClean="0">
+                          <a:latin typeface="Cambria Math" panose="02040503050406030204" pitchFamily="18" charset="0"/>
+                          <a:ea typeface="Cambria Math" panose="02040503050406030204" pitchFamily="18" charset="0"/>
+                        </a:rPr>
+                        <m:t>≈</m:t>
+                      </m:r>
+                      <m:r>
+                        <a:rPr lang="en-US" sz="2000" b="0" i="1" smtClean="0">
+                          <a:latin typeface="Cambria Math" panose="02040503050406030204" pitchFamily="18" charset="0"/>
+                        </a:rPr>
+                        <m:t>𝑅</m:t>
+                      </m:r>
+                      <m:r>
+                        <a:rPr lang="en-US" sz="2000" b="0" i="1" smtClean="0">
+                          <a:latin typeface="Cambria Math" panose="02040503050406030204" pitchFamily="18" charset="0"/>
+                        </a:rPr>
+                        <m:t>−</m:t>
+                      </m:r>
+                      <m:f>
+                        <m:fPr>
+                          <m:ctrlPr>
+                            <a:rPr lang="en-US" sz="2000" b="0" i="1" smtClean="0">
+                              <a:latin typeface="Cambria Math" panose="02040503050406030204" pitchFamily="18" charset="0"/>
+                            </a:rPr>
+                          </m:ctrlPr>
+                        </m:fPr>
+                        <m:num>
+                          <m:sSub>
+                            <m:sSubPr>
+                              <m:ctrlPr>
+                                <a:rPr lang="en-US" sz="2000" i="1">
+                                  <a:latin typeface="Cambria Math" panose="02040503050406030204" pitchFamily="18" charset="0"/>
+                                </a:rPr>
+                              </m:ctrlPr>
+                            </m:sSubPr>
+                            <m:e>
+                              <m:r>
+                                <a:rPr lang="en-US" sz="2000" i="1">
+                                  <a:latin typeface="Cambria Math" panose="02040503050406030204" pitchFamily="18" charset="0"/>
+                                </a:rPr>
+                                <m:t>𝑡</m:t>
+                              </m:r>
+                            </m:e>
+                            <m:sub>
+                              <m:r>
+                                <a:rPr lang="en-US" sz="2000" i="1">
+                                  <a:latin typeface="Cambria Math" panose="02040503050406030204" pitchFamily="18" charset="0"/>
+                                </a:rPr>
+                                <m:t>𝑦</m:t>
+                              </m:r>
+                            </m:sub>
+                          </m:sSub>
+                        </m:num>
+                        <m:den>
+                          <m:sSubSup>
+                            <m:sSubSupPr>
+                              <m:ctrlPr>
+                                <a:rPr lang="en-US" sz="2000" b="0" i="1" smtClean="0">
+                                  <a:latin typeface="Cambria Math" panose="02040503050406030204" pitchFamily="18" charset="0"/>
+                                </a:rPr>
+                              </m:ctrlPr>
+                            </m:sSubSupPr>
+                            <m:e>
+                              <m:r>
+                                <a:rPr lang="en-US" sz="2000" b="0" i="1" smtClean="0">
+                                  <a:latin typeface="Cambria Math" panose="02040503050406030204" pitchFamily="18" charset="0"/>
+                                </a:rPr>
+                                <m:t>𝑡</m:t>
+                              </m:r>
+                            </m:e>
+                            <m:sub>
+                              <m:r>
+                                <a:rPr lang="en-US" sz="2000" b="0" i="1" smtClean="0">
+                                  <a:latin typeface="Cambria Math" panose="02040503050406030204" pitchFamily="18" charset="0"/>
+                                </a:rPr>
+                                <m:t>𝑥</m:t>
+                              </m:r>
+                            </m:sub>
+                            <m:sup>
+                              <m:r>
+                                <a:rPr lang="en-US" sz="2000" b="0" i="1" smtClean="0">
+                                  <a:latin typeface="Cambria Math" panose="02040503050406030204" pitchFamily="18" charset="0"/>
+                                </a:rPr>
+                                <m:t>2</m:t>
+                              </m:r>
+                            </m:sup>
+                          </m:sSubSup>
+                        </m:den>
+                      </m:f>
+                      <m:d>
+                        <m:dPr>
+                          <m:ctrlPr>
+                            <a:rPr lang="en-US" sz="2000" b="0" i="1" smtClean="0">
+                              <a:latin typeface="Cambria Math" panose="02040503050406030204" pitchFamily="18" charset="0"/>
+                            </a:rPr>
+                          </m:ctrlPr>
+                        </m:dPr>
+                        <m:e>
+                          <m:sSub>
+                            <m:sSubPr>
+                              <m:ctrlPr>
+                                <a:rPr lang="en-US" sz="2000" i="1">
+                                  <a:latin typeface="Cambria Math" panose="02040503050406030204" pitchFamily="18" charset="0"/>
+                                </a:rPr>
+                              </m:ctrlPr>
+                            </m:sSubPr>
+                            <m:e>
+                              <m:acc>
+                                <m:accPr>
+                                  <m:chr m:val="̂"/>
+                                  <m:ctrlPr>
+                                    <a:rPr lang="en-US" sz="2000" i="1">
+                                      <a:latin typeface="Cambria Math" panose="02040503050406030204" pitchFamily="18" charset="0"/>
+                                    </a:rPr>
+                                  </m:ctrlPr>
+                                </m:accPr>
+                                <m:e>
+                                  <m:r>
+                                    <a:rPr lang="en-US" sz="2000" i="1">
+                                      <a:latin typeface="Cambria Math" panose="02040503050406030204" pitchFamily="18" charset="0"/>
+                                    </a:rPr>
+                                    <m:t>𝑡</m:t>
+                                  </m:r>
+                                </m:e>
+                              </m:acc>
+                            </m:e>
+                            <m:sub>
+                              <m:r>
+                                <a:rPr lang="en-US" sz="2000" i="1">
+                                  <a:latin typeface="Cambria Math" panose="02040503050406030204" pitchFamily="18" charset="0"/>
+                                </a:rPr>
+                                <m:t>𝑥</m:t>
+                              </m:r>
+                            </m:sub>
+                          </m:sSub>
+                          <m:r>
+                            <a:rPr lang="en-US" sz="2000" b="0" i="1" smtClean="0">
+                              <a:latin typeface="Cambria Math" panose="02040503050406030204" pitchFamily="18" charset="0"/>
+                            </a:rPr>
+                            <m:t>−</m:t>
+                          </m:r>
+                          <m:sSub>
+                            <m:sSubPr>
+                              <m:ctrlPr>
+                                <a:rPr lang="en-US" sz="2000" i="1">
+                                  <a:latin typeface="Cambria Math" panose="02040503050406030204" pitchFamily="18" charset="0"/>
+                                </a:rPr>
+                              </m:ctrlPr>
+                            </m:sSubPr>
+                            <m:e>
+                              <m:r>
+                                <a:rPr lang="en-US" sz="2000" i="1">
+                                  <a:latin typeface="Cambria Math" panose="02040503050406030204" pitchFamily="18" charset="0"/>
+                                </a:rPr>
+                                <m:t>𝑡</m:t>
+                              </m:r>
+                            </m:e>
+                            <m:sub>
+                              <m:r>
+                                <a:rPr lang="en-US" sz="2000" i="1">
+                                  <a:latin typeface="Cambria Math" panose="02040503050406030204" pitchFamily="18" charset="0"/>
+                                </a:rPr>
+                                <m:t>𝑥</m:t>
+                              </m:r>
+                            </m:sub>
+                          </m:sSub>
+                        </m:e>
+                      </m:d>
+                      <m:r>
+                        <a:rPr lang="en-US" sz="2000" b="0" i="1" smtClean="0">
+                          <a:latin typeface="Cambria Math" panose="02040503050406030204" pitchFamily="18" charset="0"/>
+                        </a:rPr>
+                        <m:t>+</m:t>
+                      </m:r>
+                      <m:f>
+                        <m:fPr>
+                          <m:ctrlPr>
+                            <a:rPr lang="en-US" sz="2000" b="0" i="1" smtClean="0">
+                              <a:latin typeface="Cambria Math" panose="02040503050406030204" pitchFamily="18" charset="0"/>
+                            </a:rPr>
+                          </m:ctrlPr>
+                        </m:fPr>
+                        <m:num>
+                          <m:r>
+                            <a:rPr lang="en-US" sz="2000" b="0" i="1" smtClean="0">
+                              <a:latin typeface="Cambria Math" panose="02040503050406030204" pitchFamily="18" charset="0"/>
+                            </a:rPr>
+                            <m:t>1</m:t>
+                          </m:r>
+                        </m:num>
+                        <m:den>
+                          <m:sSub>
+                            <m:sSubPr>
+                              <m:ctrlPr>
+                                <a:rPr lang="en-US" sz="2000" i="1">
+                                  <a:latin typeface="Cambria Math" panose="02040503050406030204" pitchFamily="18" charset="0"/>
+                                </a:rPr>
+                              </m:ctrlPr>
+                            </m:sSubPr>
+                            <m:e>
+                              <m:r>
+                                <a:rPr lang="en-US" sz="2000" i="1">
+                                  <a:latin typeface="Cambria Math" panose="02040503050406030204" pitchFamily="18" charset="0"/>
+                                </a:rPr>
+                                <m:t>𝑡</m:t>
+                              </m:r>
+                            </m:e>
+                            <m:sub>
+                              <m:r>
+                                <a:rPr lang="en-US" sz="2000" i="1">
+                                  <a:latin typeface="Cambria Math" panose="02040503050406030204" pitchFamily="18" charset="0"/>
+                                </a:rPr>
+                                <m:t>𝑥</m:t>
+                              </m:r>
+                            </m:sub>
+                          </m:sSub>
+                        </m:den>
+                      </m:f>
+                      <m:r>
+                        <a:rPr lang="en-US" sz="2000" b="0" i="1" smtClean="0">
+                          <a:latin typeface="Cambria Math" panose="02040503050406030204" pitchFamily="18" charset="0"/>
+                        </a:rPr>
+                        <m:t>(</m:t>
+                      </m:r>
+                      <m:sSub>
+                        <m:sSubPr>
+                          <m:ctrlPr>
+                            <a:rPr lang="en-US" sz="2000" i="1">
+                              <a:latin typeface="Cambria Math" panose="02040503050406030204" pitchFamily="18" charset="0"/>
+                            </a:rPr>
+                          </m:ctrlPr>
+                        </m:sSubPr>
+                        <m:e>
+                          <m:acc>
+                            <m:accPr>
+                              <m:chr m:val="̂"/>
+                              <m:ctrlPr>
+                                <a:rPr lang="en-US" sz="2000" i="1">
+                                  <a:latin typeface="Cambria Math" panose="02040503050406030204" pitchFamily="18" charset="0"/>
+                                </a:rPr>
+                              </m:ctrlPr>
+                            </m:accPr>
+                            <m:e>
+                              <m:r>
+                                <a:rPr lang="en-US" sz="2000" i="1">
+                                  <a:latin typeface="Cambria Math" panose="02040503050406030204" pitchFamily="18" charset="0"/>
+                                </a:rPr>
+                                <m:t>𝑡</m:t>
+                              </m:r>
+                            </m:e>
+                          </m:acc>
+                        </m:e>
+                        <m:sub>
+                          <m:r>
+                            <a:rPr lang="en-US" sz="2000" i="1">
+                              <a:latin typeface="Cambria Math" panose="02040503050406030204" pitchFamily="18" charset="0"/>
+                            </a:rPr>
+                            <m:t>𝑦</m:t>
+                          </m:r>
+                        </m:sub>
+                      </m:sSub>
+                      <m:r>
+                        <a:rPr lang="en-US" sz="2000" b="0" i="1" smtClean="0">
+                          <a:latin typeface="Cambria Math" panose="02040503050406030204" pitchFamily="18" charset="0"/>
+                        </a:rPr>
+                        <m:t>−</m:t>
+                      </m:r>
+                      <m:sSub>
+                        <m:sSubPr>
+                          <m:ctrlPr>
+                            <a:rPr lang="en-US" sz="2000" i="1">
+                              <a:latin typeface="Cambria Math" panose="02040503050406030204" pitchFamily="18" charset="0"/>
+                            </a:rPr>
+                          </m:ctrlPr>
+                        </m:sSubPr>
+                        <m:e>
+                          <m:r>
+                            <a:rPr lang="en-US" sz="2000" i="1">
+                              <a:latin typeface="Cambria Math" panose="02040503050406030204" pitchFamily="18" charset="0"/>
+                            </a:rPr>
+                            <m:t>𝑡</m:t>
+                          </m:r>
+                        </m:e>
+                        <m:sub>
+                          <m:r>
+                            <a:rPr lang="en-US" sz="2000" i="1">
+                              <a:latin typeface="Cambria Math" panose="02040503050406030204" pitchFamily="18" charset="0"/>
+                            </a:rPr>
+                            <m:t>𝑦</m:t>
+                          </m:r>
+                        </m:sub>
+                      </m:sSub>
+                      <m:r>
+                        <a:rPr lang="en-US" sz="2000" b="0" i="1" smtClean="0">
+                          <a:latin typeface="Cambria Math" panose="02040503050406030204" pitchFamily="18" charset="0"/>
+                        </a:rPr>
+                        <m:t>)</m:t>
+                      </m:r>
+                    </m:oMath>
+                  </m:oMathPara>
+                </a14:m>
+                <a:endParaRPr lang="en-US" sz="2000" dirty="0"/>
+              </a:p>
+              <a:p>
+                <a:pPr marL="457200" indent="-457200">
+                  <a:lnSpc>
+                    <a:spcPct val="110000"/>
+                  </a:lnSpc>
+                  <a:buFont typeface="+mj-lt"/>
+                  <a:buAutoNum type="arabicPeriod"/>
+                </a:pPr>
+                <a:r>
+                  <a:rPr lang="en-US" sz="2400" dirty="0"/>
+                  <a:t>After some algebra and substitutions, we get the estimated variance under SRS as </a:t>
+                </a:r>
+              </a:p>
+              <a:p>
+                <a:pPr marL="457200" lvl="1" indent="0">
+                  <a:lnSpc>
+                    <a:spcPct val="110000"/>
+                  </a:lnSpc>
+                  <a:buNone/>
+                </a:pPr>
+                <a14:m>
+                  <m:oMathPara xmlns:m="http://schemas.openxmlformats.org/officeDocument/2006/math">
+                    <m:oMathParaPr>
+                      <m:jc m:val="centerGroup"/>
+                    </m:oMathParaPr>
+                    <m:oMath xmlns:m="http://schemas.openxmlformats.org/officeDocument/2006/math">
+                      <m:acc>
+                        <m:accPr>
+                          <m:chr m:val="̂"/>
+                          <m:ctrlPr>
+                            <a:rPr lang="en-US" sz="2000" i="1" smtClean="0">
+                              <a:latin typeface="Cambria Math" panose="02040503050406030204" pitchFamily="18" charset="0"/>
+                            </a:rPr>
+                          </m:ctrlPr>
+                        </m:accPr>
+                        <m:e>
+                          <m:r>
+                            <a:rPr lang="en-US" sz="2000" b="0" i="1" smtClean="0">
+                              <a:latin typeface="Cambria Math" panose="02040503050406030204" pitchFamily="18" charset="0"/>
+                            </a:rPr>
+                            <m:t>𝑉</m:t>
+                          </m:r>
+                        </m:e>
+                      </m:acc>
+                      <m:d>
+                        <m:dPr>
+                          <m:ctrlPr>
+                            <a:rPr lang="en-US" sz="2000" b="0" i="1" smtClean="0">
+                              <a:latin typeface="Cambria Math" panose="02040503050406030204" pitchFamily="18" charset="0"/>
+                            </a:rPr>
+                          </m:ctrlPr>
+                        </m:dPr>
+                        <m:e>
+                          <m:acc>
+                            <m:accPr>
+                              <m:chr m:val="̂"/>
+                              <m:ctrlPr>
+                                <a:rPr lang="en-US" sz="2000" i="1">
+                                  <a:latin typeface="Cambria Math" panose="02040503050406030204" pitchFamily="18" charset="0"/>
+                                </a:rPr>
+                              </m:ctrlPr>
+                            </m:accPr>
+                            <m:e>
+                              <m:r>
+                                <a:rPr lang="en-US" sz="2000" i="1">
+                                  <a:latin typeface="Cambria Math" panose="02040503050406030204" pitchFamily="18" charset="0"/>
+                                </a:rPr>
+                                <m:t>𝑅</m:t>
+                              </m:r>
+                            </m:e>
+                          </m:acc>
+                        </m:e>
+                      </m:d>
+                      <m:r>
+                        <a:rPr lang="en-US" sz="2000" b="0" i="1" smtClean="0">
+                          <a:latin typeface="Cambria Math" panose="02040503050406030204" pitchFamily="18" charset="0"/>
+                        </a:rPr>
+                        <m:t>=</m:t>
+                      </m:r>
+                      <m:d>
+                        <m:dPr>
+                          <m:ctrlPr>
+                            <a:rPr lang="en-US" sz="2000" b="0" i="1" smtClean="0">
+                              <a:latin typeface="Cambria Math" panose="02040503050406030204" pitchFamily="18" charset="0"/>
+                            </a:rPr>
+                          </m:ctrlPr>
+                        </m:dPr>
+                        <m:e>
+                          <m:r>
+                            <a:rPr lang="en-US" sz="2000" b="0" i="1" smtClean="0">
+                              <a:latin typeface="Cambria Math" panose="02040503050406030204" pitchFamily="18" charset="0"/>
+                            </a:rPr>
+                            <m:t>1−</m:t>
+                          </m:r>
+                          <m:f>
+                            <m:fPr>
+                              <m:ctrlPr>
+                                <a:rPr lang="en-US" sz="2000" b="0" i="1" smtClean="0">
+                                  <a:latin typeface="Cambria Math" panose="02040503050406030204" pitchFamily="18" charset="0"/>
+                                </a:rPr>
+                              </m:ctrlPr>
+                            </m:fPr>
+                            <m:num>
+                              <m:r>
+                                <a:rPr lang="en-US" sz="2000" b="0" i="1" smtClean="0">
+                                  <a:latin typeface="Cambria Math" panose="02040503050406030204" pitchFamily="18" charset="0"/>
+                                </a:rPr>
+                                <m:t>𝑛</m:t>
+                              </m:r>
+                            </m:num>
+                            <m:den>
+                              <m:r>
+                                <a:rPr lang="en-US" sz="2000" b="0" i="1" smtClean="0">
+                                  <a:latin typeface="Cambria Math" panose="02040503050406030204" pitchFamily="18" charset="0"/>
+                                </a:rPr>
+                                <m:t>𝑁</m:t>
+                              </m:r>
+                            </m:den>
+                          </m:f>
+                        </m:e>
+                      </m:d>
+                      <m:f>
+                        <m:fPr>
+                          <m:ctrlPr>
+                            <a:rPr lang="en-US" sz="2000" b="0" i="1" smtClean="0">
+                              <a:latin typeface="Cambria Math" panose="02040503050406030204" pitchFamily="18" charset="0"/>
+                            </a:rPr>
+                          </m:ctrlPr>
+                        </m:fPr>
+                        <m:num>
+                          <m:sSubSup>
+                            <m:sSubSupPr>
+                              <m:ctrlPr>
+                                <a:rPr lang="en-US" sz="2000" b="0" i="1" smtClean="0">
+                                  <a:latin typeface="Cambria Math" panose="02040503050406030204" pitchFamily="18" charset="0"/>
+                                </a:rPr>
+                              </m:ctrlPr>
+                            </m:sSubSupPr>
+                            <m:e>
+                              <m:r>
+                                <a:rPr lang="en-US" sz="2000" b="0" i="1" smtClean="0">
+                                  <a:latin typeface="Cambria Math" panose="02040503050406030204" pitchFamily="18" charset="0"/>
+                                </a:rPr>
+                                <m:t>𝑠</m:t>
+                              </m:r>
+                            </m:e>
+                            <m:sub>
+                              <m:r>
+                                <a:rPr lang="en-US" sz="2000" b="0" i="1" smtClean="0">
+                                  <a:latin typeface="Cambria Math" panose="02040503050406030204" pitchFamily="18" charset="0"/>
+                                </a:rPr>
+                                <m:t>𝑒</m:t>
+                              </m:r>
+                            </m:sub>
+                            <m:sup>
+                              <m:r>
+                                <a:rPr lang="en-US" sz="2000" b="0" i="1" smtClean="0">
+                                  <a:latin typeface="Cambria Math" panose="02040503050406030204" pitchFamily="18" charset="0"/>
+                                </a:rPr>
+                                <m:t>2</m:t>
+                              </m:r>
+                            </m:sup>
+                          </m:sSubSup>
+                        </m:num>
+                        <m:den>
+                          <m:r>
+                            <a:rPr lang="en-US" sz="2000" b="0" i="1" smtClean="0">
+                              <a:latin typeface="Cambria Math" panose="02040503050406030204" pitchFamily="18" charset="0"/>
+                            </a:rPr>
+                            <m:t>𝑛</m:t>
+                          </m:r>
+                          <m:sSup>
+                            <m:sSupPr>
+                              <m:ctrlPr>
+                                <a:rPr lang="en-US" sz="2000" b="0" i="1" smtClean="0">
+                                  <a:latin typeface="Cambria Math" panose="02040503050406030204" pitchFamily="18" charset="0"/>
+                                </a:rPr>
+                              </m:ctrlPr>
+                            </m:sSupPr>
+                            <m:e>
+                              <m:acc>
+                                <m:accPr>
+                                  <m:chr m:val="̅"/>
+                                  <m:ctrlPr>
+                                    <a:rPr lang="en-US" sz="2000" b="0" i="1" smtClean="0">
+                                      <a:latin typeface="Cambria Math" panose="02040503050406030204" pitchFamily="18" charset="0"/>
+                                    </a:rPr>
+                                  </m:ctrlPr>
+                                </m:accPr>
+                                <m:e>
+                                  <m:r>
+                                    <a:rPr lang="en-US" sz="2000" b="0" i="1" smtClean="0">
+                                      <a:latin typeface="Cambria Math" panose="02040503050406030204" pitchFamily="18" charset="0"/>
+                                    </a:rPr>
+                                    <m:t>𝑥</m:t>
+                                  </m:r>
+                                </m:e>
+                              </m:acc>
+                            </m:e>
+                            <m:sup>
+                              <m:r>
+                                <a:rPr lang="en-US" sz="2000" b="0" i="1" smtClean="0">
+                                  <a:latin typeface="Cambria Math" panose="02040503050406030204" pitchFamily="18" charset="0"/>
+                                </a:rPr>
+                                <m:t>2</m:t>
+                              </m:r>
+                            </m:sup>
+                          </m:sSup>
+                        </m:den>
+                      </m:f>
+                      <m:r>
+                        <a:rPr lang="en-US" sz="2000" b="0" i="1" smtClean="0">
+                          <a:latin typeface="Cambria Math" panose="02040503050406030204" pitchFamily="18" charset="0"/>
+                        </a:rPr>
+                        <m:t>,</m:t>
+                      </m:r>
+                    </m:oMath>
+                  </m:oMathPara>
+                </a14:m>
+                <a:endParaRPr lang="en-US" sz="2000" dirty="0"/>
+              </a:p>
+              <a:p>
+                <a:pPr marL="457200" lvl="1" indent="0">
+                  <a:lnSpc>
+                    <a:spcPct val="110000"/>
+                  </a:lnSpc>
+                  <a:buNone/>
+                </a:pPr>
+                <a:r>
+                  <a:rPr lang="en-US" sz="2000" dirty="0"/>
+                  <a:t>where </a:t>
+                </a:r>
+                <a14:m>
+                  <m:oMath xmlns:m="http://schemas.openxmlformats.org/officeDocument/2006/math">
+                    <m:sSubSup>
+                      <m:sSubSupPr>
+                        <m:ctrlPr>
+                          <a:rPr lang="en-US" sz="2000" i="1">
+                            <a:latin typeface="Cambria Math" panose="02040503050406030204" pitchFamily="18" charset="0"/>
+                          </a:rPr>
+                        </m:ctrlPr>
+                      </m:sSubSupPr>
+                      <m:e>
+                        <m:r>
+                          <a:rPr lang="en-US" sz="2000" i="1">
+                            <a:latin typeface="Cambria Math" panose="02040503050406030204" pitchFamily="18" charset="0"/>
+                          </a:rPr>
+                          <m:t>𝑠</m:t>
+                        </m:r>
+                      </m:e>
+                      <m:sub>
+                        <m:r>
+                          <a:rPr lang="en-US" sz="2000" i="1">
+                            <a:latin typeface="Cambria Math" panose="02040503050406030204" pitchFamily="18" charset="0"/>
+                          </a:rPr>
+                          <m:t>𝑒</m:t>
+                        </m:r>
+                      </m:sub>
+                      <m:sup>
+                        <m:r>
+                          <a:rPr lang="en-US" sz="2000" i="1">
+                            <a:latin typeface="Cambria Math" panose="02040503050406030204" pitchFamily="18" charset="0"/>
+                          </a:rPr>
+                          <m:t>2</m:t>
+                        </m:r>
+                      </m:sup>
+                    </m:sSubSup>
+                  </m:oMath>
+                </a14:m>
+                <a:r>
+                  <a:rPr lang="en-US" sz="2000" dirty="0"/>
+                  <a:t> is the variance of </a:t>
+                </a:r>
+                <a14:m>
+                  <m:oMath xmlns:m="http://schemas.openxmlformats.org/officeDocument/2006/math">
+                    <m:sSub>
+                      <m:sSubPr>
+                        <m:ctrlPr>
+                          <a:rPr lang="en-US" sz="2000" i="1" smtClean="0">
+                            <a:latin typeface="Cambria Math" panose="02040503050406030204" pitchFamily="18" charset="0"/>
+                          </a:rPr>
+                        </m:ctrlPr>
+                      </m:sSubPr>
+                      <m:e>
+                        <m:r>
+                          <a:rPr lang="en-US" sz="2000" b="0" i="1" smtClean="0">
+                            <a:latin typeface="Cambria Math" panose="02040503050406030204" pitchFamily="18" charset="0"/>
+                          </a:rPr>
+                          <m:t>𝑒</m:t>
+                        </m:r>
+                      </m:e>
+                      <m:sub>
+                        <m:r>
+                          <a:rPr lang="en-US" sz="2000" b="0" i="1" smtClean="0">
+                            <a:latin typeface="Cambria Math" panose="02040503050406030204" pitchFamily="18" charset="0"/>
+                          </a:rPr>
+                          <m:t>𝑖</m:t>
+                        </m:r>
+                      </m:sub>
+                    </m:sSub>
+                    <m:r>
+                      <a:rPr lang="en-US" sz="2000" b="0" i="1" smtClean="0">
+                        <a:latin typeface="Cambria Math" panose="02040503050406030204" pitchFamily="18" charset="0"/>
+                      </a:rPr>
+                      <m:t>=</m:t>
+                    </m:r>
+                    <m:sSub>
+                      <m:sSubPr>
+                        <m:ctrlPr>
+                          <a:rPr lang="en-US" sz="2000" b="0" i="1" smtClean="0">
+                            <a:latin typeface="Cambria Math" panose="02040503050406030204" pitchFamily="18" charset="0"/>
+                          </a:rPr>
+                        </m:ctrlPr>
+                      </m:sSubPr>
+                      <m:e>
+                        <m:r>
+                          <a:rPr lang="en-US" sz="2000" b="0" i="1" smtClean="0">
+                            <a:latin typeface="Cambria Math" panose="02040503050406030204" pitchFamily="18" charset="0"/>
+                          </a:rPr>
+                          <m:t>𝑦</m:t>
+                        </m:r>
+                      </m:e>
+                      <m:sub>
+                        <m:r>
+                          <a:rPr lang="en-US" sz="2000" b="0" i="1" smtClean="0">
+                            <a:latin typeface="Cambria Math" panose="02040503050406030204" pitchFamily="18" charset="0"/>
+                          </a:rPr>
+                          <m:t>𝑖</m:t>
+                        </m:r>
+                      </m:sub>
+                    </m:sSub>
+                    <m:r>
+                      <a:rPr lang="en-US" sz="2000" b="0" i="1" smtClean="0">
+                        <a:latin typeface="Cambria Math" panose="02040503050406030204" pitchFamily="18" charset="0"/>
+                      </a:rPr>
+                      <m:t>−</m:t>
+                    </m:r>
+                    <m:acc>
+                      <m:accPr>
+                        <m:chr m:val="̂"/>
+                        <m:ctrlPr>
+                          <a:rPr lang="en-US" sz="2000" i="1">
+                            <a:latin typeface="Cambria Math" panose="02040503050406030204" pitchFamily="18" charset="0"/>
+                          </a:rPr>
+                        </m:ctrlPr>
+                      </m:accPr>
+                      <m:e>
+                        <m:r>
+                          <a:rPr lang="en-US" sz="2000" i="1">
+                            <a:latin typeface="Cambria Math" panose="02040503050406030204" pitchFamily="18" charset="0"/>
+                          </a:rPr>
+                          <m:t>𝑅</m:t>
+                        </m:r>
+                      </m:e>
+                    </m:acc>
+                    <m:sSub>
+                      <m:sSubPr>
+                        <m:ctrlPr>
+                          <a:rPr lang="en-US" sz="2000" i="1" smtClean="0">
+                            <a:latin typeface="Cambria Math" panose="02040503050406030204" pitchFamily="18" charset="0"/>
+                          </a:rPr>
+                        </m:ctrlPr>
+                      </m:sSubPr>
+                      <m:e>
+                        <m:r>
+                          <a:rPr lang="en-US" sz="2000" b="0" i="1" smtClean="0">
+                            <a:latin typeface="Cambria Math" panose="02040503050406030204" pitchFamily="18" charset="0"/>
+                          </a:rPr>
+                          <m:t>𝑥</m:t>
+                        </m:r>
+                      </m:e>
+                      <m:sub>
+                        <m:r>
+                          <a:rPr lang="en-US" sz="2000" b="0" i="1" smtClean="0">
+                            <a:latin typeface="Cambria Math" panose="02040503050406030204" pitchFamily="18" charset="0"/>
+                          </a:rPr>
+                          <m:t>𝑖</m:t>
+                        </m:r>
+                      </m:sub>
+                    </m:sSub>
+                    <m:r>
+                      <a:rPr lang="en-US" sz="2000" b="0" i="1" smtClean="0">
+                        <a:latin typeface="Cambria Math" panose="02040503050406030204" pitchFamily="18" charset="0"/>
+                      </a:rPr>
+                      <m:t>.</m:t>
+                    </m:r>
+                  </m:oMath>
+                </a14:m>
+                <a:endParaRPr lang="en-US" sz="2000" dirty="0"/>
+              </a:p>
+            </p:txBody>
+          </p:sp>
+        </mc:Choice>
+        <mc:Fallback>
+          <p:sp>
+            <p:nvSpPr>
+              <p:cNvPr id="3" name="Content Placeholder 2">
+                <a:extLst>
+                  <a:ext uri="{FF2B5EF4-FFF2-40B4-BE49-F238E27FC236}">
+                    <a16:creationId xmlns:a16="http://schemas.microsoft.com/office/drawing/2014/main" id="{8F10B1BA-6322-9441-BC42-17E9F7261AF0}"/>
+                  </a:ext>
+                </a:extLst>
+              </p:cNvPr>
+              <p:cNvSpPr>
+                <a:spLocks noGrp="1" noRot="1" noChangeAspect="1" noMove="1" noResize="1" noEditPoints="1" noAdjustHandles="1" noChangeArrowheads="1" noChangeShapeType="1" noTextEdit="1"/>
+              </p:cNvSpPr>
+              <p:nvPr>
+                <p:ph idx="1"/>
+              </p:nvPr>
+            </p:nvSpPr>
+            <p:spPr>
+              <a:blipFill>
+                <a:blip r:embed="rId2"/>
+                <a:stretch>
+                  <a:fillRect l="-724" t="-581"/>
+                </a:stretch>
+              </a:blipFill>
+            </p:spPr>
+            <p:txBody>
+              <a:bodyPr/>
+              <a:lstStyle/>
+              <a:p>
+                <a:r>
+                  <a:rPr lang="en-US">
+                    <a:noFill/>
+                  </a:rPr>
+                  <a:t> </a:t>
+                </a:r>
+              </a:p>
+            </p:txBody>
+          </p:sp>
+        </mc:Fallback>
+      </mc:AlternateContent>
+      <p:sp>
+        <p:nvSpPr>
+          <p:cNvPr id="4" name="Date Placeholder 3">
             <a:extLst>
               <a:ext uri="{FF2B5EF4-FFF2-40B4-BE49-F238E27FC236}">
-                <a16:creationId xmlns:a16="http://schemas.microsoft.com/office/drawing/2014/main" id="{9A2F632D-6FAD-2BF3-C4EF-6A147D9DED4A}"/>
+                <a16:creationId xmlns:a16="http://schemas.microsoft.com/office/drawing/2014/main" id="{87C6CEB5-9B86-8342-D0AF-9D56D6D6C198}"/>
               </a:ext>
             </a:extLst>
           </p:cNvPr>
@@ -8513,37 +9830,1634 @@
             <a:spLocks noGrp="1"/>
           </p:cNvSpPr>
           <p:nvPr>
-            <p:ph type="subTitle" idx="1"/>
+            <p:ph type="dt" sz="half" idx="10"/>
           </p:nvPr>
         </p:nvSpPr>
         <p:spPr/>
         <p:txBody>
-          <a:bodyPr>
-            <a:normAutofit/>
-          </a:bodyPr>
+          <a:bodyPr/>
           <a:lstStyle/>
           <a:p>
-            <a:endParaRPr lang="en-US" dirty="0"/>
-          </a:p>
-          <a:p>
-            <a:r>
-              <a:rPr lang="en-US" dirty="0"/>
-              <a:t>Mamadou S. Diallo</a:t>
-            </a:r>
-          </a:p>
-          <a:p>
-            <a:r>
-              <a:rPr lang="en-US" dirty="0" err="1"/>
-              <a:t>msdiallo@samplics.org</a:t>
-            </a:r>
-            <a:endParaRPr lang="en-US" dirty="0"/>
+            <a:r>
+              <a:rPr lang="en-US"/>
+              <a:t>11 May 2022</a:t>
+            </a:r>
+          </a:p>
+        </p:txBody>
+      </p:sp>
+      <p:sp>
+        <p:nvSpPr>
+          <p:cNvPr id="5" name="Slide Number Placeholder 4">
+            <a:extLst>
+              <a:ext uri="{FF2B5EF4-FFF2-40B4-BE49-F238E27FC236}">
+                <a16:creationId xmlns:a16="http://schemas.microsoft.com/office/drawing/2014/main" id="{C7AC3981-EFBB-8736-D53D-176371572A4C}"/>
+              </a:ext>
+            </a:extLst>
+          </p:cNvPr>
+          <p:cNvSpPr>
+            <a:spLocks noGrp="1"/>
+          </p:cNvSpPr>
+          <p:nvPr>
+            <p:ph type="sldNum" sz="quarter" idx="12"/>
+          </p:nvPr>
+        </p:nvSpPr>
+        <p:spPr/>
+        <p:txBody>
+          <a:bodyPr/>
+          <a:lstStyle/>
+          <a:p>
+            <a:fld id="{BBEA9D41-9AF1-9B4E-9C34-CE71C23DCD02}" type="slidenum">
+              <a:rPr lang="en-US" smtClean="0"/>
+              <a:t>17</a:t>
+            </a:fld>
+            <a:endParaRPr lang="en-US"/>
+          </a:p>
+        </p:txBody>
+      </p:sp>
+      <p:sp>
+        <p:nvSpPr>
+          <p:cNvPr id="7" name="Footer Placeholder 6">
+            <a:extLst>
+              <a:ext uri="{FF2B5EF4-FFF2-40B4-BE49-F238E27FC236}">
+                <a16:creationId xmlns:a16="http://schemas.microsoft.com/office/drawing/2014/main" id="{A97F3D58-C41E-0C91-E3D2-822178DAEE6B}"/>
+              </a:ext>
+            </a:extLst>
+          </p:cNvPr>
+          <p:cNvSpPr>
+            <a:spLocks noGrp="1"/>
+          </p:cNvSpPr>
+          <p:nvPr>
+            <p:ph type="ftr" sz="quarter" idx="11"/>
+          </p:nvPr>
+        </p:nvSpPr>
+        <p:spPr/>
+        <p:txBody>
+          <a:bodyPr/>
+          <a:lstStyle/>
+          <a:p>
+            <a:r>
+              <a:rPr lang="en-US"/>
+              <a:t>https://github.com/samplics-org/aapor_short_course_may2022</a:t>
+            </a:r>
           </a:p>
         </p:txBody>
       </p:sp>
     </p:spTree>
     <p:extLst>
       <p:ext uri="{BB962C8B-B14F-4D97-AF65-F5344CB8AC3E}">
-        <p14:creationId xmlns:p14="http://schemas.microsoft.com/office/powerpoint/2010/main" val="126548142"/>
+        <p14:creationId xmlns:p14="http://schemas.microsoft.com/office/powerpoint/2010/main" val="1905269602"/>
+      </p:ext>
+    </p:extLst>
+  </p:cSld>
+  <p:clrMapOvr>
+    <a:masterClrMapping/>
+  </p:clrMapOvr>
+</p:sld>
+</file>
+
+<file path=ppt/slides/slide18.xml><?xml version="1.0" encoding="utf-8"?>
+<p:sld xmlns:a="http://schemas.openxmlformats.org/drawingml/2006/main" xmlns:r="http://schemas.openxmlformats.org/officeDocument/2006/relationships" xmlns:p="http://schemas.openxmlformats.org/presentationml/2006/main">
+  <p:cSld>
+    <p:spTree>
+      <p:nvGrpSpPr>
+        <p:cNvPr id="1" name=""/>
+        <p:cNvGrpSpPr/>
+        <p:nvPr/>
+      </p:nvGrpSpPr>
+      <p:grpSpPr>
+        <a:xfrm>
+          <a:off x="0" y="0"/>
+          <a:ext cx="0" cy="0"/>
+          <a:chOff x="0" y="0"/>
+          <a:chExt cx="0" cy="0"/>
+        </a:xfrm>
+      </p:grpSpPr>
+      <p:sp>
+        <p:nvSpPr>
+          <p:cNvPr id="2" name="Title 1">
+            <a:extLst>
+              <a:ext uri="{FF2B5EF4-FFF2-40B4-BE49-F238E27FC236}">
+                <a16:creationId xmlns:a16="http://schemas.microsoft.com/office/drawing/2014/main" id="{7EE6FEA7-597B-9A4E-8443-DFB2F9009678}"/>
+              </a:ext>
+            </a:extLst>
+          </p:cNvPr>
+          <p:cNvSpPr>
+            <a:spLocks noGrp="1"/>
+          </p:cNvSpPr>
+          <p:nvPr>
+            <p:ph type="title"/>
+          </p:nvPr>
+        </p:nvSpPr>
+        <p:spPr/>
+        <p:txBody>
+          <a:bodyPr/>
+          <a:lstStyle/>
+          <a:p>
+            <a:r>
+              <a:rPr lang="en-US" dirty="0"/>
+              <a:t>Parameter estimation</a:t>
+            </a:r>
+            <a:br>
+              <a:rPr lang="en-US" dirty="0"/>
+            </a:br>
+            <a:r>
+              <a:rPr lang="en-US" sz="3200" dirty="0">
+                <a:solidFill>
+                  <a:schemeClr val="accent4"/>
+                </a:solidFill>
+              </a:rPr>
+              <a:t>Uncertainty estimates (Replication methods)</a:t>
+            </a:r>
+          </a:p>
+        </p:txBody>
+      </p:sp>
+      <mc:AlternateContent xmlns:mc="http://schemas.openxmlformats.org/markup-compatibility/2006">
+        <mc:Choice xmlns:a14="http://schemas.microsoft.com/office/drawing/2010/main" Requires="a14">
+          <p:sp>
+            <p:nvSpPr>
+              <p:cNvPr id="3" name="Content Placeholder 2">
+                <a:extLst>
+                  <a:ext uri="{FF2B5EF4-FFF2-40B4-BE49-F238E27FC236}">
+                    <a16:creationId xmlns:a16="http://schemas.microsoft.com/office/drawing/2014/main" id="{8F10B1BA-6322-9441-BC42-17E9F7261AF0}"/>
+                  </a:ext>
+                </a:extLst>
+              </p:cNvPr>
+              <p:cNvSpPr>
+                <a:spLocks noGrp="1"/>
+              </p:cNvSpPr>
+              <p:nvPr>
+                <p:ph idx="1"/>
+              </p:nvPr>
+            </p:nvSpPr>
+            <p:spPr/>
+            <p:txBody>
+              <a:bodyPr>
+                <a:normAutofit fontScale="85000" lnSpcReduction="10000"/>
+              </a:bodyPr>
+              <a:lstStyle/>
+              <a:p>
+                <a:pPr marL="0" indent="0">
+                  <a:lnSpc>
+                    <a:spcPct val="150000"/>
+                  </a:lnSpc>
+                  <a:buNone/>
+                </a:pPr>
+                <a:r>
+                  <a:rPr lang="en-US" sz="2000" b="1" dirty="0"/>
+                  <a:t>General approach</a:t>
+                </a:r>
+              </a:p>
+              <a:p>
+                <a:pPr marL="457200" indent="-457200">
+                  <a:lnSpc>
+                    <a:spcPct val="150000"/>
+                  </a:lnSpc>
+                  <a:buFont typeface="+mj-lt"/>
+                  <a:buAutoNum type="arabicPeriod"/>
+                </a:pPr>
+                <a:r>
+                  <a:rPr lang="en-US" sz="2000" dirty="0"/>
+                  <a:t>Chose the replication method e.g., BRR, Bootstrap, or Jackknife</a:t>
+                </a:r>
+              </a:p>
+              <a:p>
+                <a:pPr marL="457200" indent="-457200">
+                  <a:lnSpc>
+                    <a:spcPct val="150000"/>
+                  </a:lnSpc>
+                  <a:buFont typeface="+mj-lt"/>
+                  <a:buAutoNum type="arabicPeriod"/>
+                </a:pPr>
+                <a:r>
+                  <a:rPr lang="en-US" sz="2000" dirty="0"/>
+                  <a:t>Obtain the design weight (</a:t>
+                </a:r>
+                <a14:m>
+                  <m:oMath xmlns:m="http://schemas.openxmlformats.org/officeDocument/2006/math">
+                    <m:r>
+                      <a:rPr lang="en-US" sz="2000" i="1" dirty="0" smtClean="0">
+                        <a:latin typeface="Cambria Math" panose="02040503050406030204" pitchFamily="18" charset="0"/>
+                      </a:rPr>
+                      <m:t>𝑤</m:t>
+                    </m:r>
+                  </m:oMath>
+                </a14:m>
+                <a:r>
+                  <a:rPr lang="en-US" sz="2000" dirty="0"/>
+                  <a:t>) and apply all the adjustments to derive the final sample weigh (</a:t>
+                </a:r>
+                <a14:m>
+                  <m:oMath xmlns:m="http://schemas.openxmlformats.org/officeDocument/2006/math">
+                    <m:sSup>
+                      <m:sSupPr>
+                        <m:ctrlPr>
+                          <a:rPr lang="en-US" sz="2000" i="1" smtClean="0">
+                            <a:latin typeface="Cambria Math" panose="02040503050406030204" pitchFamily="18" charset="0"/>
+                          </a:rPr>
+                        </m:ctrlPr>
+                      </m:sSupPr>
+                      <m:e>
+                        <m:r>
+                          <a:rPr lang="en-US" sz="2000" b="0" i="1" smtClean="0">
+                            <a:latin typeface="Cambria Math" panose="02040503050406030204" pitchFamily="18" charset="0"/>
+                          </a:rPr>
+                          <m:t>𝑤</m:t>
+                        </m:r>
+                      </m:e>
+                      <m:sup>
+                        <m:r>
+                          <a:rPr lang="en-US" sz="2000" b="0" i="1" smtClean="0">
+                            <a:latin typeface="Cambria Math" panose="02040503050406030204" pitchFamily="18" charset="0"/>
+                          </a:rPr>
+                          <m:t>∗</m:t>
+                        </m:r>
+                      </m:sup>
+                    </m:sSup>
+                  </m:oMath>
+                </a14:m>
+                <a:r>
+                  <a:rPr lang="en-US" sz="2000" dirty="0"/>
+                  <a:t>)</a:t>
+                </a:r>
+              </a:p>
+              <a:p>
+                <a:pPr marL="457200" indent="-457200">
+                  <a:lnSpc>
+                    <a:spcPct val="150000"/>
+                  </a:lnSpc>
+                  <a:buFont typeface="+mj-lt"/>
+                  <a:buAutoNum type="arabicPeriod"/>
+                </a:pPr>
+                <a:r>
+                  <a:rPr lang="en-US" sz="2000" dirty="0"/>
+                  <a:t>From the design weight, produce R replicate weights </a:t>
+                </a:r>
+                <a14:m>
+                  <m:oMath xmlns:m="http://schemas.openxmlformats.org/officeDocument/2006/math">
+                    <m:sSub>
+                      <m:sSubPr>
+                        <m:ctrlPr>
+                          <a:rPr lang="en-US" sz="2000" i="1" smtClean="0">
+                            <a:latin typeface="Cambria Math" panose="02040503050406030204" pitchFamily="18" charset="0"/>
+                          </a:rPr>
+                        </m:ctrlPr>
+                      </m:sSubPr>
+                      <m:e>
+                        <m:r>
+                          <a:rPr lang="en-US" sz="2000" b="0" i="1" smtClean="0">
+                            <a:latin typeface="Cambria Math" panose="02040503050406030204" pitchFamily="18" charset="0"/>
+                          </a:rPr>
+                          <m:t>𝑤</m:t>
+                        </m:r>
+                      </m:e>
+                      <m:sub>
+                        <m:r>
+                          <a:rPr lang="en-US" sz="2000" b="0" i="1" smtClean="0">
+                            <a:latin typeface="Cambria Math" panose="02040503050406030204" pitchFamily="18" charset="0"/>
+                          </a:rPr>
+                          <m:t>1</m:t>
+                        </m:r>
+                      </m:sub>
+                    </m:sSub>
+                    <m:r>
+                      <a:rPr lang="en-US" sz="2000" b="0" i="1" smtClean="0">
+                        <a:latin typeface="Cambria Math" panose="02040503050406030204" pitchFamily="18" charset="0"/>
+                      </a:rPr>
+                      <m:t>, …, </m:t>
+                    </m:r>
+                    <m:sSub>
+                      <m:sSubPr>
+                        <m:ctrlPr>
+                          <a:rPr lang="en-US" sz="2000" b="0" i="1" smtClean="0">
+                            <a:latin typeface="Cambria Math" panose="02040503050406030204" pitchFamily="18" charset="0"/>
+                          </a:rPr>
+                        </m:ctrlPr>
+                      </m:sSubPr>
+                      <m:e>
+                        <m:r>
+                          <a:rPr lang="en-US" sz="2000" b="0" i="1" smtClean="0">
+                            <a:latin typeface="Cambria Math" panose="02040503050406030204" pitchFamily="18" charset="0"/>
+                          </a:rPr>
+                          <m:t>𝑤</m:t>
+                        </m:r>
+                      </m:e>
+                      <m:sub>
+                        <m:r>
+                          <a:rPr lang="en-US" sz="2000" b="0" i="1" smtClean="0">
+                            <a:latin typeface="Cambria Math" panose="02040503050406030204" pitchFamily="18" charset="0"/>
+                          </a:rPr>
+                          <m:t>𝑅</m:t>
+                        </m:r>
+                      </m:sub>
+                    </m:sSub>
+                  </m:oMath>
+                </a14:m>
+                <a:r>
+                  <a:rPr lang="en-US" sz="2000" dirty="0"/>
+                  <a:t>according to the replication method chosen in step 1</a:t>
+                </a:r>
+              </a:p>
+              <a:p>
+                <a:pPr marL="457200" indent="-457200">
+                  <a:lnSpc>
+                    <a:spcPct val="150000"/>
+                  </a:lnSpc>
+                  <a:buFont typeface="+mj-lt"/>
+                  <a:buAutoNum type="arabicPeriod"/>
+                </a:pPr>
+                <a:r>
+                  <a:rPr lang="en-US" sz="2000" dirty="0"/>
+                  <a:t>Apply all the adjustments from step 2 on every design replicate weight to obtain the final replicate weights </a:t>
+                </a:r>
+                <a14:m>
+                  <m:oMath xmlns:m="http://schemas.openxmlformats.org/officeDocument/2006/math">
+                    <m:sSubSup>
+                      <m:sSubSupPr>
+                        <m:ctrlPr>
+                          <a:rPr lang="en-US" sz="2000" i="1" smtClean="0">
+                            <a:latin typeface="Cambria Math" panose="02040503050406030204" pitchFamily="18" charset="0"/>
+                          </a:rPr>
+                        </m:ctrlPr>
+                      </m:sSubSupPr>
+                      <m:e>
+                        <m:r>
+                          <a:rPr lang="en-US" sz="2000" b="0" i="1" smtClean="0">
+                            <a:latin typeface="Cambria Math" panose="02040503050406030204" pitchFamily="18" charset="0"/>
+                          </a:rPr>
+                          <m:t>𝑤</m:t>
+                        </m:r>
+                      </m:e>
+                      <m:sub>
+                        <m:r>
+                          <a:rPr lang="en-US" sz="2000" b="0" i="1" smtClean="0">
+                            <a:latin typeface="Cambria Math" panose="02040503050406030204" pitchFamily="18" charset="0"/>
+                          </a:rPr>
+                          <m:t>1</m:t>
+                        </m:r>
+                      </m:sub>
+                      <m:sup>
+                        <m:r>
+                          <a:rPr lang="en-US" sz="2000" b="0" i="1" smtClean="0">
+                            <a:latin typeface="Cambria Math" panose="02040503050406030204" pitchFamily="18" charset="0"/>
+                          </a:rPr>
+                          <m:t>∗</m:t>
+                        </m:r>
+                      </m:sup>
+                    </m:sSubSup>
+                    <m:r>
+                      <a:rPr lang="en-US" sz="2000" b="0" i="1" smtClean="0">
+                        <a:latin typeface="Cambria Math" panose="02040503050406030204" pitchFamily="18" charset="0"/>
+                      </a:rPr>
+                      <m:t>, …, </m:t>
+                    </m:r>
+                    <m:sSubSup>
+                      <m:sSubSupPr>
+                        <m:ctrlPr>
+                          <a:rPr lang="en-US" sz="2000" b="0" i="1" smtClean="0">
+                            <a:latin typeface="Cambria Math" panose="02040503050406030204" pitchFamily="18" charset="0"/>
+                          </a:rPr>
+                        </m:ctrlPr>
+                      </m:sSubSupPr>
+                      <m:e>
+                        <m:r>
+                          <a:rPr lang="en-US" sz="2000" b="0" i="1" smtClean="0">
+                            <a:latin typeface="Cambria Math" panose="02040503050406030204" pitchFamily="18" charset="0"/>
+                          </a:rPr>
+                          <m:t>𝑤</m:t>
+                        </m:r>
+                      </m:e>
+                      <m:sub>
+                        <m:r>
+                          <a:rPr lang="en-US" sz="2000" b="0" i="1" smtClean="0">
+                            <a:latin typeface="Cambria Math" panose="02040503050406030204" pitchFamily="18" charset="0"/>
+                          </a:rPr>
+                          <m:t>𝑅</m:t>
+                        </m:r>
+                      </m:sub>
+                      <m:sup>
+                        <m:r>
+                          <a:rPr lang="en-US" sz="2000" b="0" i="1" smtClean="0">
+                            <a:latin typeface="Cambria Math" panose="02040503050406030204" pitchFamily="18" charset="0"/>
+                          </a:rPr>
+                          <m:t>∗</m:t>
+                        </m:r>
+                      </m:sup>
+                    </m:sSubSup>
+                  </m:oMath>
+                </a14:m>
+                <a:endParaRPr lang="en-US" sz="2000" dirty="0"/>
+              </a:p>
+              <a:p>
+                <a:pPr marL="457200" indent="-457200">
+                  <a:lnSpc>
+                    <a:spcPct val="150000"/>
+                  </a:lnSpc>
+                  <a:buFont typeface="+mj-lt"/>
+                  <a:buAutoNum type="arabicPeriod"/>
+                </a:pPr>
+                <a:r>
+                  <a:rPr lang="en-US" sz="2000" dirty="0"/>
+                  <a:t>Calculate the replication-based variance as </a:t>
+                </a:r>
+                <a14:m>
+                  <m:oMath xmlns:m="http://schemas.openxmlformats.org/officeDocument/2006/math">
+                    <m:acc>
+                      <m:accPr>
+                        <m:chr m:val="̂"/>
+                        <m:ctrlPr>
+                          <a:rPr lang="en-US" sz="2000" i="1" smtClean="0">
+                            <a:latin typeface="Cambria Math" panose="02040503050406030204" pitchFamily="18" charset="0"/>
+                          </a:rPr>
+                        </m:ctrlPr>
+                      </m:accPr>
+                      <m:e>
+                        <m:r>
+                          <a:rPr lang="en-US" sz="2000" b="0" i="1" smtClean="0">
+                            <a:latin typeface="Cambria Math" panose="02040503050406030204" pitchFamily="18" charset="0"/>
+                          </a:rPr>
+                          <m:t>𝑉</m:t>
+                        </m:r>
+                      </m:e>
+                    </m:acc>
+                    <m:d>
+                      <m:dPr>
+                        <m:ctrlPr>
+                          <a:rPr lang="en-US" sz="2000" b="0" i="1" smtClean="0">
+                            <a:latin typeface="Cambria Math" panose="02040503050406030204" pitchFamily="18" charset="0"/>
+                          </a:rPr>
+                        </m:ctrlPr>
+                      </m:dPr>
+                      <m:e>
+                        <m:acc>
+                          <m:accPr>
+                            <m:chr m:val="̂"/>
+                            <m:ctrlPr>
+                              <a:rPr lang="en-US" sz="2000" b="0" i="1" smtClean="0">
+                                <a:latin typeface="Cambria Math" panose="02040503050406030204" pitchFamily="18" charset="0"/>
+                              </a:rPr>
+                            </m:ctrlPr>
+                          </m:accPr>
+                          <m:e>
+                            <m:r>
+                              <a:rPr lang="en-US" sz="2000" b="0" i="1" smtClean="0">
+                                <a:latin typeface="Cambria Math" panose="02040503050406030204" pitchFamily="18" charset="0"/>
+                                <a:ea typeface="Cambria Math" panose="02040503050406030204" pitchFamily="18" charset="0"/>
+                              </a:rPr>
+                              <m:t>𝜃</m:t>
+                            </m:r>
+                          </m:e>
+                        </m:acc>
+                      </m:e>
+                    </m:d>
+                    <m:r>
+                      <a:rPr lang="en-US" sz="2000" b="0" i="1" smtClean="0">
+                        <a:latin typeface="Cambria Math" panose="02040503050406030204" pitchFamily="18" charset="0"/>
+                      </a:rPr>
+                      <m:t>=</m:t>
+                    </m:r>
+                    <m:nary>
+                      <m:naryPr>
+                        <m:chr m:val="∑"/>
+                        <m:limLoc m:val="subSup"/>
+                        <m:ctrlPr>
+                          <a:rPr lang="en-US" sz="2000" b="0" i="1" smtClean="0">
+                            <a:latin typeface="Cambria Math" panose="02040503050406030204" pitchFamily="18" charset="0"/>
+                          </a:rPr>
+                        </m:ctrlPr>
+                      </m:naryPr>
+                      <m:sub>
+                        <m:r>
+                          <m:rPr>
+                            <m:brk m:alnAt="25"/>
+                          </m:rPr>
+                          <a:rPr lang="en-US" sz="2000" b="0" i="1" smtClean="0">
+                            <a:latin typeface="Cambria Math" panose="02040503050406030204" pitchFamily="18" charset="0"/>
+                          </a:rPr>
+                          <m:t>𝑟</m:t>
+                        </m:r>
+                        <m:r>
+                          <a:rPr lang="en-US" sz="2000" b="0" i="1" smtClean="0">
+                            <a:latin typeface="Cambria Math" panose="02040503050406030204" pitchFamily="18" charset="0"/>
+                          </a:rPr>
+                          <m:t>=1</m:t>
+                        </m:r>
+                      </m:sub>
+                      <m:sup>
+                        <m:r>
+                          <a:rPr lang="en-US" sz="2000" b="0" i="1" smtClean="0">
+                            <a:latin typeface="Cambria Math" panose="02040503050406030204" pitchFamily="18" charset="0"/>
+                          </a:rPr>
+                          <m:t>𝑅</m:t>
+                        </m:r>
+                      </m:sup>
+                      <m:e>
+                        <m:sSub>
+                          <m:sSubPr>
+                            <m:ctrlPr>
+                              <a:rPr lang="en-US" sz="2000" b="0" i="1" smtClean="0">
+                                <a:latin typeface="Cambria Math" panose="02040503050406030204" pitchFamily="18" charset="0"/>
+                              </a:rPr>
+                            </m:ctrlPr>
+                          </m:sSubPr>
+                          <m:e>
+                            <m:r>
+                              <a:rPr lang="en-US" sz="2000" b="0" i="1" smtClean="0">
+                                <a:latin typeface="Cambria Math" panose="02040503050406030204" pitchFamily="18" charset="0"/>
+                              </a:rPr>
+                              <m:t>𝑐</m:t>
+                            </m:r>
+                          </m:e>
+                          <m:sub>
+                            <m:r>
+                              <a:rPr lang="en-US" sz="2000" b="0" i="1" smtClean="0">
+                                <a:latin typeface="Cambria Math" panose="02040503050406030204" pitchFamily="18" charset="0"/>
+                              </a:rPr>
+                              <m:t>𝑟</m:t>
+                            </m:r>
+                          </m:sub>
+                        </m:sSub>
+                        <m:r>
+                          <a:rPr lang="en-US" sz="2000" b="0" i="1" smtClean="0">
+                            <a:latin typeface="Cambria Math" panose="02040503050406030204" pitchFamily="18" charset="0"/>
+                          </a:rPr>
+                          <m:t>(</m:t>
+                        </m:r>
+                        <m:sSubSup>
+                          <m:sSubSupPr>
+                            <m:ctrlPr>
+                              <a:rPr lang="en-US" sz="2000" b="0" i="1" smtClean="0">
+                                <a:latin typeface="Cambria Math" panose="02040503050406030204" pitchFamily="18" charset="0"/>
+                              </a:rPr>
+                            </m:ctrlPr>
+                          </m:sSubSupPr>
+                          <m:e>
+                            <m:acc>
+                              <m:accPr>
+                                <m:chr m:val="̂"/>
+                                <m:ctrlPr>
+                                  <a:rPr lang="en-US" sz="2000" b="0" i="1" smtClean="0">
+                                    <a:latin typeface="Cambria Math" panose="02040503050406030204" pitchFamily="18" charset="0"/>
+                                  </a:rPr>
+                                </m:ctrlPr>
+                              </m:accPr>
+                              <m:e>
+                                <m:r>
+                                  <a:rPr lang="en-US" sz="2000" b="0" i="1" smtClean="0">
+                                    <a:latin typeface="Cambria Math" panose="02040503050406030204" pitchFamily="18" charset="0"/>
+                                    <a:ea typeface="Cambria Math" panose="02040503050406030204" pitchFamily="18" charset="0"/>
+                                  </a:rPr>
+                                  <m:t>𝜃</m:t>
+                                </m:r>
+                              </m:e>
+                            </m:acc>
+                          </m:e>
+                          <m:sub>
+                            <m:r>
+                              <a:rPr lang="en-US" sz="2000" b="0" i="1" smtClean="0">
+                                <a:latin typeface="Cambria Math" panose="02040503050406030204" pitchFamily="18" charset="0"/>
+                              </a:rPr>
+                              <m:t>𝑟</m:t>
+                            </m:r>
+                          </m:sub>
+                          <m:sup>
+                            <m:r>
+                              <a:rPr lang="en-US" sz="2000" b="0" i="1" smtClean="0">
+                                <a:latin typeface="Cambria Math" panose="02040503050406030204" pitchFamily="18" charset="0"/>
+                              </a:rPr>
+                              <m:t>∗</m:t>
+                            </m:r>
+                          </m:sup>
+                        </m:sSubSup>
+                        <m:r>
+                          <a:rPr lang="en-US" sz="2000" b="0" i="1" smtClean="0">
+                            <a:latin typeface="Cambria Math" panose="02040503050406030204" pitchFamily="18" charset="0"/>
+                          </a:rPr>
+                          <m:t>−</m:t>
+                        </m:r>
+                        <m:acc>
+                          <m:accPr>
+                            <m:chr m:val="̂"/>
+                            <m:ctrlPr>
+                              <a:rPr lang="en-US" sz="2000" i="1">
+                                <a:latin typeface="Cambria Math" panose="02040503050406030204" pitchFamily="18" charset="0"/>
+                              </a:rPr>
+                            </m:ctrlPr>
+                          </m:accPr>
+                          <m:e>
+                            <m:r>
+                              <a:rPr lang="en-US" sz="2000" i="1">
+                                <a:latin typeface="Cambria Math" panose="02040503050406030204" pitchFamily="18" charset="0"/>
+                                <a:ea typeface="Cambria Math" panose="02040503050406030204" pitchFamily="18" charset="0"/>
+                              </a:rPr>
+                              <m:t>𝜃</m:t>
+                            </m:r>
+                          </m:e>
+                        </m:acc>
+                        <m:r>
+                          <a:rPr lang="en-US" sz="2000" b="0" i="1" smtClean="0">
+                            <a:latin typeface="Cambria Math" panose="02040503050406030204" pitchFamily="18" charset="0"/>
+                          </a:rPr>
+                          <m:t>)</m:t>
+                        </m:r>
+                      </m:e>
+                    </m:nary>
+                  </m:oMath>
+                </a14:m>
+                <a:r>
+                  <a:rPr lang="en-US" sz="2000" dirty="0"/>
+                  <a:t> where </a:t>
+                </a:r>
+                <a14:m>
+                  <m:oMath xmlns:m="http://schemas.openxmlformats.org/officeDocument/2006/math">
+                    <m:sSub>
+                      <m:sSubPr>
+                        <m:ctrlPr>
+                          <a:rPr lang="en-US" sz="2000" i="1">
+                            <a:latin typeface="Cambria Math" panose="02040503050406030204" pitchFamily="18" charset="0"/>
+                          </a:rPr>
+                        </m:ctrlPr>
+                      </m:sSubPr>
+                      <m:e>
+                        <m:r>
+                          <a:rPr lang="en-US" sz="2000" i="1">
+                            <a:latin typeface="Cambria Math" panose="02040503050406030204" pitchFamily="18" charset="0"/>
+                          </a:rPr>
+                          <m:t>𝑐</m:t>
+                        </m:r>
+                      </m:e>
+                      <m:sub>
+                        <m:r>
+                          <a:rPr lang="en-US" sz="2000" i="1">
+                            <a:latin typeface="Cambria Math" panose="02040503050406030204" pitchFamily="18" charset="0"/>
+                          </a:rPr>
+                          <m:t>𝑟</m:t>
+                        </m:r>
+                      </m:sub>
+                    </m:sSub>
+                    <m:r>
+                      <a:rPr lang="en-US" sz="2000" i="1">
+                        <a:latin typeface="Cambria Math" panose="02040503050406030204" pitchFamily="18" charset="0"/>
+                      </a:rPr>
+                      <m:t> </m:t>
+                    </m:r>
+                  </m:oMath>
+                </a14:m>
+                <a:r>
+                  <a:rPr lang="en-US" sz="2000" dirty="0"/>
+                  <a:t>depend on the replication method (</a:t>
+                </a:r>
+                <a14:m>
+                  <m:oMath xmlns:m="http://schemas.openxmlformats.org/officeDocument/2006/math">
+                    <m:sSub>
+                      <m:sSubPr>
+                        <m:ctrlPr>
+                          <a:rPr lang="en-US" sz="1600" i="1">
+                            <a:latin typeface="Cambria Math" panose="02040503050406030204" pitchFamily="18" charset="0"/>
+                          </a:rPr>
+                        </m:ctrlPr>
+                      </m:sSubPr>
+                      <m:e>
+                        <m:r>
+                          <a:rPr lang="en-US" sz="1600" i="1">
+                            <a:latin typeface="Cambria Math" panose="02040503050406030204" pitchFamily="18" charset="0"/>
+                          </a:rPr>
+                          <m:t>𝑐</m:t>
+                        </m:r>
+                      </m:e>
+                      <m:sub>
+                        <m:r>
+                          <a:rPr lang="en-US" sz="1600" i="1">
+                            <a:latin typeface="Cambria Math" panose="02040503050406030204" pitchFamily="18" charset="0"/>
+                          </a:rPr>
+                          <m:t>𝑟</m:t>
+                        </m:r>
+                      </m:sub>
+                    </m:sSub>
+                  </m:oMath>
+                </a14:m>
+                <a:r>
+                  <a:rPr lang="en-US" sz="1600" dirty="0"/>
+                  <a:t> = </a:t>
+                </a:r>
+                <a14:m>
+                  <m:oMath xmlns:m="http://schemas.openxmlformats.org/officeDocument/2006/math">
+                    <m:f>
+                      <m:fPr>
+                        <m:ctrlPr>
+                          <a:rPr lang="en-US" sz="1600" i="1" smtClean="0">
+                            <a:latin typeface="Cambria Math" panose="02040503050406030204" pitchFamily="18" charset="0"/>
+                          </a:rPr>
+                        </m:ctrlPr>
+                      </m:fPr>
+                      <m:num>
+                        <m:r>
+                          <a:rPr lang="en-US" sz="1600" b="0" i="1" smtClean="0">
+                            <a:latin typeface="Cambria Math" panose="02040503050406030204" pitchFamily="18" charset="0"/>
+                          </a:rPr>
+                          <m:t>1</m:t>
+                        </m:r>
+                      </m:num>
+                      <m:den>
+                        <m:r>
+                          <a:rPr lang="en-US" sz="1600" b="0" i="1" smtClean="0">
+                            <a:latin typeface="Cambria Math" panose="02040503050406030204" pitchFamily="18" charset="0"/>
+                          </a:rPr>
+                          <m:t>𝑅</m:t>
+                        </m:r>
+                      </m:den>
+                    </m:f>
+                  </m:oMath>
+                </a14:m>
+                <a:r>
+                  <a:rPr lang="en-US" sz="1600" dirty="0"/>
+                  <a:t> for BRR, </a:t>
+                </a:r>
+                <a14:m>
+                  <m:oMath xmlns:m="http://schemas.openxmlformats.org/officeDocument/2006/math">
+                    <m:sSub>
+                      <m:sSubPr>
+                        <m:ctrlPr>
+                          <a:rPr lang="en-US" sz="1600" i="1">
+                            <a:latin typeface="Cambria Math" panose="02040503050406030204" pitchFamily="18" charset="0"/>
+                          </a:rPr>
+                        </m:ctrlPr>
+                      </m:sSubPr>
+                      <m:e>
+                        <m:r>
+                          <a:rPr lang="en-US" sz="1600" i="1">
+                            <a:latin typeface="Cambria Math" panose="02040503050406030204" pitchFamily="18" charset="0"/>
+                          </a:rPr>
+                          <m:t>𝑐</m:t>
+                        </m:r>
+                      </m:e>
+                      <m:sub>
+                        <m:r>
+                          <a:rPr lang="en-US" sz="1600" i="1">
+                            <a:latin typeface="Cambria Math" panose="02040503050406030204" pitchFamily="18" charset="0"/>
+                          </a:rPr>
+                          <m:t>𝑟</m:t>
+                        </m:r>
+                      </m:sub>
+                    </m:sSub>
+                  </m:oMath>
+                </a14:m>
+                <a:r>
+                  <a:rPr lang="en-US" sz="1600" dirty="0"/>
+                  <a:t> = </a:t>
+                </a:r>
+                <a14:m>
+                  <m:oMath xmlns:m="http://schemas.openxmlformats.org/officeDocument/2006/math">
+                    <m:f>
+                      <m:fPr>
+                        <m:ctrlPr>
+                          <a:rPr lang="en-US" sz="1600" i="1">
+                            <a:latin typeface="Cambria Math" panose="02040503050406030204" pitchFamily="18" charset="0"/>
+                          </a:rPr>
+                        </m:ctrlPr>
+                      </m:fPr>
+                      <m:num>
+                        <m:r>
+                          <a:rPr lang="en-US" sz="1600" i="1">
+                            <a:latin typeface="Cambria Math" panose="02040503050406030204" pitchFamily="18" charset="0"/>
+                          </a:rPr>
+                          <m:t>1</m:t>
+                        </m:r>
+                      </m:num>
+                      <m:den>
+                        <m:r>
+                          <a:rPr lang="en-US" sz="1600" i="1">
+                            <a:latin typeface="Cambria Math" panose="02040503050406030204" pitchFamily="18" charset="0"/>
+                          </a:rPr>
+                          <m:t>𝑅</m:t>
+                        </m:r>
+                        <m:r>
+                          <a:rPr lang="en-US" sz="1600" b="0" i="1" smtClean="0">
+                            <a:latin typeface="Cambria Math" panose="02040503050406030204" pitchFamily="18" charset="0"/>
+                          </a:rPr>
+                          <m:t>−1</m:t>
+                        </m:r>
+                      </m:den>
+                    </m:f>
+                  </m:oMath>
+                </a14:m>
+                <a:r>
+                  <a:rPr lang="en-US" sz="1600" dirty="0"/>
+                  <a:t> for Bootstrap, and </a:t>
+                </a:r>
+                <a14:m>
+                  <m:oMath xmlns:m="http://schemas.openxmlformats.org/officeDocument/2006/math">
+                    <m:sSub>
+                      <m:sSubPr>
+                        <m:ctrlPr>
+                          <a:rPr lang="en-US" sz="1600" i="1">
+                            <a:latin typeface="Cambria Math" panose="02040503050406030204" pitchFamily="18" charset="0"/>
+                          </a:rPr>
+                        </m:ctrlPr>
+                      </m:sSubPr>
+                      <m:e>
+                        <m:r>
+                          <a:rPr lang="en-US" sz="1600" i="1">
+                            <a:latin typeface="Cambria Math" panose="02040503050406030204" pitchFamily="18" charset="0"/>
+                          </a:rPr>
+                          <m:t>𝑐</m:t>
+                        </m:r>
+                      </m:e>
+                      <m:sub>
+                        <m:r>
+                          <a:rPr lang="en-US" sz="1600" i="1">
+                            <a:latin typeface="Cambria Math" panose="02040503050406030204" pitchFamily="18" charset="0"/>
+                          </a:rPr>
+                          <m:t>𝑟</m:t>
+                        </m:r>
+                      </m:sub>
+                    </m:sSub>
+                  </m:oMath>
+                </a14:m>
+                <a:r>
+                  <a:rPr lang="en-US" sz="1600" dirty="0"/>
+                  <a:t> = </a:t>
+                </a:r>
+                <a14:m>
+                  <m:oMath xmlns:m="http://schemas.openxmlformats.org/officeDocument/2006/math">
+                    <m:f>
+                      <m:fPr>
+                        <m:ctrlPr>
+                          <a:rPr lang="en-US" sz="1600" i="1">
+                            <a:latin typeface="Cambria Math" panose="02040503050406030204" pitchFamily="18" charset="0"/>
+                          </a:rPr>
+                        </m:ctrlPr>
+                      </m:fPr>
+                      <m:num>
+                        <m:sSub>
+                          <m:sSubPr>
+                            <m:ctrlPr>
+                              <a:rPr lang="en-US" sz="1600" i="1" smtClean="0">
+                                <a:latin typeface="Cambria Math" panose="02040503050406030204" pitchFamily="18" charset="0"/>
+                              </a:rPr>
+                            </m:ctrlPr>
+                          </m:sSubPr>
+                          <m:e>
+                            <m:r>
+                              <a:rPr lang="en-US" sz="1600" b="0" i="1" smtClean="0">
+                                <a:latin typeface="Cambria Math" panose="02040503050406030204" pitchFamily="18" charset="0"/>
+                              </a:rPr>
+                              <m:t>𝑛</m:t>
+                            </m:r>
+                          </m:e>
+                          <m:sub>
+                            <m:r>
+                              <a:rPr lang="en-US" sz="1600" b="0" i="1" smtClean="0">
+                                <a:latin typeface="Cambria Math" panose="02040503050406030204" pitchFamily="18" charset="0"/>
+                              </a:rPr>
+                              <m:t>h</m:t>
+                            </m:r>
+                          </m:sub>
+                        </m:sSub>
+                        <m:r>
+                          <a:rPr lang="en-US" sz="1600" b="0" i="1" smtClean="0">
+                            <a:latin typeface="Cambria Math" panose="02040503050406030204" pitchFamily="18" charset="0"/>
+                          </a:rPr>
+                          <m:t>−1</m:t>
+                        </m:r>
+                      </m:num>
+                      <m:den>
+                        <m:sSub>
+                          <m:sSubPr>
+                            <m:ctrlPr>
+                              <a:rPr lang="en-US" sz="1600" i="1" smtClean="0">
+                                <a:latin typeface="Cambria Math" panose="02040503050406030204" pitchFamily="18" charset="0"/>
+                              </a:rPr>
+                            </m:ctrlPr>
+                          </m:sSubPr>
+                          <m:e>
+                            <m:r>
+                              <a:rPr lang="en-US" sz="1600" b="0" i="1" smtClean="0">
+                                <a:latin typeface="Cambria Math" panose="02040503050406030204" pitchFamily="18" charset="0"/>
+                              </a:rPr>
+                              <m:t>𝑛</m:t>
+                            </m:r>
+                          </m:e>
+                          <m:sub>
+                            <m:r>
+                              <a:rPr lang="en-US" sz="1600" b="0" i="1" smtClean="0">
+                                <a:latin typeface="Cambria Math" panose="02040503050406030204" pitchFamily="18" charset="0"/>
+                              </a:rPr>
+                              <m:t>h</m:t>
+                            </m:r>
+                          </m:sub>
+                        </m:sSub>
+                      </m:den>
+                    </m:f>
+                  </m:oMath>
+                </a14:m>
+                <a:r>
+                  <a:rPr lang="en-US" sz="1600" dirty="0"/>
+                  <a:t> for Jackknife)</a:t>
+                </a:r>
+              </a:p>
+            </p:txBody>
+          </p:sp>
+        </mc:Choice>
+        <mc:Fallback>
+          <p:sp>
+            <p:nvSpPr>
+              <p:cNvPr id="3" name="Content Placeholder 2">
+                <a:extLst>
+                  <a:ext uri="{FF2B5EF4-FFF2-40B4-BE49-F238E27FC236}">
+                    <a16:creationId xmlns:a16="http://schemas.microsoft.com/office/drawing/2014/main" id="{8F10B1BA-6322-9441-BC42-17E9F7261AF0}"/>
+                  </a:ext>
+                </a:extLst>
+              </p:cNvPr>
+              <p:cNvSpPr>
+                <a:spLocks noGrp="1" noRot="1" noChangeAspect="1" noMove="1" noResize="1" noEditPoints="1" noAdjustHandles="1" noChangeArrowheads="1" noChangeShapeType="1" noTextEdit="1"/>
+              </p:cNvSpPr>
+              <p:nvPr>
+                <p:ph idx="1"/>
+              </p:nvPr>
+            </p:nvSpPr>
+            <p:spPr>
+              <a:blipFill>
+                <a:blip r:embed="rId2"/>
+                <a:stretch>
+                  <a:fillRect l="-483"/>
+                </a:stretch>
+              </a:blipFill>
+            </p:spPr>
+            <p:txBody>
+              <a:bodyPr/>
+              <a:lstStyle/>
+              <a:p>
+                <a:r>
+                  <a:rPr lang="en-US">
+                    <a:noFill/>
+                  </a:rPr>
+                  <a:t> </a:t>
+                </a:r>
+              </a:p>
+            </p:txBody>
+          </p:sp>
+        </mc:Fallback>
+      </mc:AlternateContent>
+      <p:sp>
+        <p:nvSpPr>
+          <p:cNvPr id="4" name="Date Placeholder 3">
+            <a:extLst>
+              <a:ext uri="{FF2B5EF4-FFF2-40B4-BE49-F238E27FC236}">
+                <a16:creationId xmlns:a16="http://schemas.microsoft.com/office/drawing/2014/main" id="{87C6CEB5-9B86-8342-D0AF-9D56D6D6C198}"/>
+              </a:ext>
+            </a:extLst>
+          </p:cNvPr>
+          <p:cNvSpPr>
+            <a:spLocks noGrp="1"/>
+          </p:cNvSpPr>
+          <p:nvPr>
+            <p:ph type="dt" sz="half" idx="10"/>
+          </p:nvPr>
+        </p:nvSpPr>
+        <p:spPr/>
+        <p:txBody>
+          <a:bodyPr/>
+          <a:lstStyle/>
+          <a:p>
+            <a:r>
+              <a:rPr lang="en-US"/>
+              <a:t>11 May 2022</a:t>
+            </a:r>
+          </a:p>
+        </p:txBody>
+      </p:sp>
+      <p:sp>
+        <p:nvSpPr>
+          <p:cNvPr id="5" name="Slide Number Placeholder 4">
+            <a:extLst>
+              <a:ext uri="{FF2B5EF4-FFF2-40B4-BE49-F238E27FC236}">
+                <a16:creationId xmlns:a16="http://schemas.microsoft.com/office/drawing/2014/main" id="{C7AC3981-EFBB-8736-D53D-176371572A4C}"/>
+              </a:ext>
+            </a:extLst>
+          </p:cNvPr>
+          <p:cNvSpPr>
+            <a:spLocks noGrp="1"/>
+          </p:cNvSpPr>
+          <p:nvPr>
+            <p:ph type="sldNum" sz="quarter" idx="12"/>
+          </p:nvPr>
+        </p:nvSpPr>
+        <p:spPr/>
+        <p:txBody>
+          <a:bodyPr/>
+          <a:lstStyle/>
+          <a:p>
+            <a:fld id="{BBEA9D41-9AF1-9B4E-9C34-CE71C23DCD02}" type="slidenum">
+              <a:rPr lang="en-US" smtClean="0"/>
+              <a:t>18</a:t>
+            </a:fld>
+            <a:endParaRPr lang="en-US"/>
+          </a:p>
+        </p:txBody>
+      </p:sp>
+      <p:sp>
+        <p:nvSpPr>
+          <p:cNvPr id="7" name="Footer Placeholder 6">
+            <a:extLst>
+              <a:ext uri="{FF2B5EF4-FFF2-40B4-BE49-F238E27FC236}">
+                <a16:creationId xmlns:a16="http://schemas.microsoft.com/office/drawing/2014/main" id="{A97F3D58-C41E-0C91-E3D2-822178DAEE6B}"/>
+              </a:ext>
+            </a:extLst>
+          </p:cNvPr>
+          <p:cNvSpPr>
+            <a:spLocks noGrp="1"/>
+          </p:cNvSpPr>
+          <p:nvPr>
+            <p:ph type="ftr" sz="quarter" idx="11"/>
+          </p:nvPr>
+        </p:nvSpPr>
+        <p:spPr/>
+        <p:txBody>
+          <a:bodyPr/>
+          <a:lstStyle/>
+          <a:p>
+            <a:r>
+              <a:rPr lang="en-US"/>
+              <a:t>https://github.com/samplics-org/aapor_short_course_may2022</a:t>
+            </a:r>
+          </a:p>
+        </p:txBody>
+      </p:sp>
+    </p:spTree>
+    <p:extLst>
+      <p:ext uri="{BB962C8B-B14F-4D97-AF65-F5344CB8AC3E}">
+        <p14:creationId xmlns:p14="http://schemas.microsoft.com/office/powerpoint/2010/main" val="1745295221"/>
+      </p:ext>
+    </p:extLst>
+  </p:cSld>
+  <p:clrMapOvr>
+    <a:masterClrMapping/>
+  </p:clrMapOvr>
+</p:sld>
+</file>
+
+<file path=ppt/slides/slide19.xml><?xml version="1.0" encoding="utf-8"?>
+<p:sld xmlns:a="http://schemas.openxmlformats.org/drawingml/2006/main" xmlns:r="http://schemas.openxmlformats.org/officeDocument/2006/relationships" xmlns:p="http://schemas.openxmlformats.org/presentationml/2006/main">
+  <p:cSld>
+    <p:spTree>
+      <p:nvGrpSpPr>
+        <p:cNvPr id="1" name=""/>
+        <p:cNvGrpSpPr/>
+        <p:nvPr/>
+      </p:nvGrpSpPr>
+      <p:grpSpPr>
+        <a:xfrm>
+          <a:off x="0" y="0"/>
+          <a:ext cx="0" cy="0"/>
+          <a:chOff x="0" y="0"/>
+          <a:chExt cx="0" cy="0"/>
+        </a:xfrm>
+      </p:grpSpPr>
+      <p:sp>
+        <p:nvSpPr>
+          <p:cNvPr id="2" name="Title 1">
+            <a:extLst>
+              <a:ext uri="{FF2B5EF4-FFF2-40B4-BE49-F238E27FC236}">
+                <a16:creationId xmlns:a16="http://schemas.microsoft.com/office/drawing/2014/main" id="{1C8A4616-1F12-80EB-8946-E6702C03441E}"/>
+              </a:ext>
+            </a:extLst>
+          </p:cNvPr>
+          <p:cNvSpPr>
+            <a:spLocks noGrp="1"/>
+          </p:cNvSpPr>
+          <p:nvPr>
+            <p:ph type="title"/>
+          </p:nvPr>
+        </p:nvSpPr>
+        <p:spPr/>
+        <p:txBody>
+          <a:bodyPr/>
+          <a:lstStyle/>
+          <a:p>
+            <a:r>
+              <a:rPr lang="en-US" dirty="0"/>
+              <a:t>Design effect</a:t>
+            </a:r>
+            <a:br>
+              <a:rPr lang="en-US" dirty="0"/>
+            </a:br>
+            <a:r>
+              <a:rPr lang="en-US" sz="3200" dirty="0">
+                <a:solidFill>
+                  <a:schemeClr val="accent4"/>
+                </a:solidFill>
+              </a:rPr>
+              <a:t>Measure of the cost of deviating from SRS</a:t>
+            </a:r>
+          </a:p>
+        </p:txBody>
+      </p:sp>
+      <mc:AlternateContent xmlns:mc="http://schemas.openxmlformats.org/markup-compatibility/2006">
+        <mc:Choice xmlns:a14="http://schemas.microsoft.com/office/drawing/2010/main" Requires="a14">
+          <p:sp>
+            <p:nvSpPr>
+              <p:cNvPr id="3" name="Content Placeholder 2">
+                <a:extLst>
+                  <a:ext uri="{FF2B5EF4-FFF2-40B4-BE49-F238E27FC236}">
+                    <a16:creationId xmlns:a16="http://schemas.microsoft.com/office/drawing/2014/main" id="{4ECBD602-AF4F-72FA-4551-872FE8FDDD7E}"/>
+                  </a:ext>
+                </a:extLst>
+              </p:cNvPr>
+              <p:cNvSpPr>
+                <a:spLocks noGrp="1"/>
+              </p:cNvSpPr>
+              <p:nvPr>
+                <p:ph idx="1"/>
+              </p:nvPr>
+            </p:nvSpPr>
+            <p:spPr/>
+            <p:txBody>
+              <a:bodyPr>
+                <a:normAutofit/>
+              </a:bodyPr>
+              <a:lstStyle/>
+              <a:p>
+                <a:pPr marL="0" indent="0">
+                  <a:lnSpc>
+                    <a:spcPct val="100000"/>
+                  </a:lnSpc>
+                  <a:buNone/>
+                </a:pPr>
+                <a:r>
+                  <a:rPr lang="en-US" sz="2000" dirty="0"/>
+                  <a:t>The design effect (</a:t>
+                </a:r>
+                <a14:m>
+                  <m:oMath xmlns:m="http://schemas.openxmlformats.org/officeDocument/2006/math">
+                    <m:r>
+                      <a:rPr lang="en-US" sz="2000" b="0" i="1" dirty="0" smtClean="0">
+                        <a:latin typeface="Cambria Math" panose="02040503050406030204" pitchFamily="18" charset="0"/>
+                      </a:rPr>
+                      <m:t>𝐷𝐸𝐹𝐹</m:t>
+                    </m:r>
+                  </m:oMath>
+                </a14:m>
+                <a:r>
+                  <a:rPr lang="en-US" sz="2000" dirty="0"/>
+                  <a:t>) is defined as </a:t>
+                </a:r>
+              </a:p>
+              <a:p>
+                <a:pPr marL="0" indent="0">
+                  <a:lnSpc>
+                    <a:spcPct val="100000"/>
+                  </a:lnSpc>
+                  <a:buNone/>
+                </a:pPr>
+                <a14:m>
+                  <m:oMathPara xmlns:m="http://schemas.openxmlformats.org/officeDocument/2006/math">
+                    <m:oMathParaPr>
+                      <m:jc m:val="centerGroup"/>
+                    </m:oMathParaPr>
+                    <m:oMath xmlns:m="http://schemas.openxmlformats.org/officeDocument/2006/math">
+                      <m:r>
+                        <a:rPr lang="en-US" sz="2000" b="0" i="1" smtClean="0">
+                          <a:latin typeface="Cambria Math" panose="02040503050406030204" pitchFamily="18" charset="0"/>
+                        </a:rPr>
+                        <m:t>𝐷𝐸𝐹𝐹</m:t>
+                      </m:r>
+                      <m:r>
+                        <a:rPr lang="en-US" sz="2000" b="0" i="1" smtClean="0">
+                          <a:latin typeface="Cambria Math" panose="02040503050406030204" pitchFamily="18" charset="0"/>
+                        </a:rPr>
+                        <m:t>= </m:t>
+                      </m:r>
+                      <m:f>
+                        <m:fPr>
+                          <m:ctrlPr>
+                            <a:rPr lang="en-US" sz="2000" b="0" i="1" smtClean="0">
+                              <a:latin typeface="Cambria Math" panose="02040503050406030204" pitchFamily="18" charset="0"/>
+                            </a:rPr>
+                          </m:ctrlPr>
+                        </m:fPr>
+                        <m:num>
+                          <m:sSub>
+                            <m:sSubPr>
+                              <m:ctrlPr>
+                                <a:rPr lang="en-US" sz="2000" b="0" i="1" smtClean="0">
+                                  <a:latin typeface="Cambria Math" panose="02040503050406030204" pitchFamily="18" charset="0"/>
+                                </a:rPr>
+                              </m:ctrlPr>
+                            </m:sSubPr>
+                            <m:e>
+                              <m:r>
+                                <a:rPr lang="en-US" sz="2000" b="0" i="1" smtClean="0">
+                                  <a:latin typeface="Cambria Math" panose="02040503050406030204" pitchFamily="18" charset="0"/>
+                                </a:rPr>
+                                <m:t>𝑉</m:t>
+                              </m:r>
+                            </m:e>
+                            <m:sub>
+                              <m:r>
+                                <a:rPr lang="en-US" sz="2000" b="0" i="1" smtClean="0">
+                                  <a:latin typeface="Cambria Math" panose="02040503050406030204" pitchFamily="18" charset="0"/>
+                                </a:rPr>
+                                <m:t>𝑐𝑜𝑚𝑝𝑙𝑒𝑥</m:t>
+                              </m:r>
+                            </m:sub>
+                          </m:sSub>
+                        </m:num>
+                        <m:den>
+                          <m:sSub>
+                            <m:sSubPr>
+                              <m:ctrlPr>
+                                <a:rPr lang="en-US" sz="2000" b="0" i="1" smtClean="0">
+                                  <a:latin typeface="Cambria Math" panose="02040503050406030204" pitchFamily="18" charset="0"/>
+                                </a:rPr>
+                              </m:ctrlPr>
+                            </m:sSubPr>
+                            <m:e>
+                              <m:r>
+                                <a:rPr lang="en-US" sz="2000" b="0" i="1" smtClean="0">
+                                  <a:latin typeface="Cambria Math" panose="02040503050406030204" pitchFamily="18" charset="0"/>
+                                </a:rPr>
+                                <m:t>𝑉</m:t>
+                              </m:r>
+                            </m:e>
+                            <m:sub>
+                              <m:r>
+                                <a:rPr lang="en-US" sz="2000" b="0" i="1" smtClean="0">
+                                  <a:latin typeface="Cambria Math" panose="02040503050406030204" pitchFamily="18" charset="0"/>
+                                </a:rPr>
+                                <m:t>𝑆𝑅𝑆</m:t>
+                              </m:r>
+                            </m:sub>
+                          </m:sSub>
+                        </m:den>
+                      </m:f>
+                    </m:oMath>
+                  </m:oMathPara>
+                </a14:m>
+                <a:endParaRPr lang="en-US" sz="2000" dirty="0"/>
+              </a:p>
+              <a:p>
+                <a:pPr marL="0" indent="0">
+                  <a:lnSpc>
+                    <a:spcPct val="100000"/>
+                  </a:lnSpc>
+                  <a:buNone/>
+                </a:pPr>
+                <a:r>
+                  <a:rPr lang="en-US" sz="2000" dirty="0"/>
+                  <a:t>Where </a:t>
+                </a:r>
+                <a14:m>
+                  <m:oMath xmlns:m="http://schemas.openxmlformats.org/officeDocument/2006/math">
+                    <m:sSub>
+                      <m:sSubPr>
+                        <m:ctrlPr>
+                          <a:rPr lang="en-US" sz="2000" i="1">
+                            <a:latin typeface="Cambria Math" panose="02040503050406030204" pitchFamily="18" charset="0"/>
+                          </a:rPr>
+                        </m:ctrlPr>
+                      </m:sSubPr>
+                      <m:e>
+                        <m:r>
+                          <a:rPr lang="en-US" sz="2000" i="1">
+                            <a:latin typeface="Cambria Math" panose="02040503050406030204" pitchFamily="18" charset="0"/>
+                          </a:rPr>
+                          <m:t>𝑉</m:t>
+                        </m:r>
+                      </m:e>
+                      <m:sub>
+                        <m:r>
+                          <a:rPr lang="en-US" sz="2000" i="1">
+                            <a:latin typeface="Cambria Math" panose="02040503050406030204" pitchFamily="18" charset="0"/>
+                          </a:rPr>
+                          <m:t>𝑐𝑜𝑚𝑝𝑙𝑒𝑥</m:t>
+                        </m:r>
+                      </m:sub>
+                    </m:sSub>
+                  </m:oMath>
+                </a14:m>
+                <a:r>
+                  <a:rPr lang="en-US" sz="2000" dirty="0"/>
+                  <a:t> is the variance under the complex sampling design and </a:t>
+                </a:r>
+                <a14:m>
+                  <m:oMath xmlns:m="http://schemas.openxmlformats.org/officeDocument/2006/math">
+                    <m:sSub>
+                      <m:sSubPr>
+                        <m:ctrlPr>
+                          <a:rPr lang="en-US" sz="2000" i="1">
+                            <a:latin typeface="Cambria Math" panose="02040503050406030204" pitchFamily="18" charset="0"/>
+                          </a:rPr>
+                        </m:ctrlPr>
+                      </m:sSubPr>
+                      <m:e>
+                        <m:r>
+                          <a:rPr lang="en-US" sz="2000" i="1">
+                            <a:latin typeface="Cambria Math" panose="02040503050406030204" pitchFamily="18" charset="0"/>
+                          </a:rPr>
+                          <m:t>𝑉</m:t>
+                        </m:r>
+                      </m:e>
+                      <m:sub>
+                        <m:r>
+                          <a:rPr lang="en-US" sz="2000" i="1">
+                            <a:latin typeface="Cambria Math" panose="02040503050406030204" pitchFamily="18" charset="0"/>
+                          </a:rPr>
+                          <m:t>𝑆𝑅𝑆</m:t>
+                        </m:r>
+                      </m:sub>
+                    </m:sSub>
+                  </m:oMath>
+                </a14:m>
+                <a:r>
+                  <a:rPr lang="en-US" sz="2000" dirty="0"/>
+                  <a:t> is the variance under the SRS design for the same sample size.</a:t>
+                </a:r>
+              </a:p>
+              <a:p>
+                <a:pPr marL="0" indent="0">
+                  <a:lnSpc>
+                    <a:spcPct val="100000"/>
+                  </a:lnSpc>
+                  <a:buNone/>
+                </a:pPr>
+                <a:endParaRPr lang="en-US" sz="800" dirty="0"/>
+              </a:p>
+              <a:p>
+                <a:pPr marL="0" indent="0">
+                  <a:lnSpc>
+                    <a:spcPct val="100000"/>
+                  </a:lnSpc>
+                  <a:buNone/>
+                </a:pPr>
+                <a14:m>
+                  <m:oMath xmlns:m="http://schemas.openxmlformats.org/officeDocument/2006/math">
+                    <m:r>
+                      <a:rPr lang="en-US" sz="2000" b="0" i="1" smtClean="0">
+                        <a:latin typeface="Cambria Math" panose="02040503050406030204" pitchFamily="18" charset="0"/>
+                      </a:rPr>
+                      <m:t>𝐷𝐸𝐹𝐹</m:t>
+                    </m:r>
+                  </m:oMath>
+                </a14:m>
+                <a:r>
+                  <a:rPr lang="en-US" sz="2000" dirty="0"/>
+                  <a:t> is a measure of the cost of the complexity of the sampling design. One way to illustrate the cost is by its influence on sample size</a:t>
+                </a:r>
+              </a:p>
+              <a:p>
+                <a:pPr marL="0" indent="0">
+                  <a:lnSpc>
+                    <a:spcPct val="100000"/>
+                  </a:lnSpc>
+                  <a:buNone/>
+                </a:pPr>
+                <a14:m>
+                  <m:oMathPara xmlns:m="http://schemas.openxmlformats.org/officeDocument/2006/math">
+                    <m:oMathParaPr>
+                      <m:jc m:val="centerGroup"/>
+                    </m:oMathParaPr>
+                    <m:oMath xmlns:m="http://schemas.openxmlformats.org/officeDocument/2006/math">
+                      <m:r>
+                        <a:rPr lang="en-US" sz="2000" b="0" i="1" smtClean="0">
+                          <a:latin typeface="Cambria Math" panose="02040503050406030204" pitchFamily="18" charset="0"/>
+                        </a:rPr>
+                        <m:t>𝑛</m:t>
+                      </m:r>
+                      <m:r>
+                        <a:rPr lang="en-US" sz="2000" b="0" i="1" smtClean="0">
+                          <a:latin typeface="Cambria Math" panose="02040503050406030204" pitchFamily="18" charset="0"/>
+                        </a:rPr>
+                        <m:t>=</m:t>
+                      </m:r>
+                      <m:r>
+                        <a:rPr lang="en-US" sz="2000" b="0" i="1" smtClean="0">
+                          <a:latin typeface="Cambria Math" panose="02040503050406030204" pitchFamily="18" charset="0"/>
+                        </a:rPr>
+                        <m:t>𝐷𝐸𝐹𝐹</m:t>
+                      </m:r>
+                      <m:r>
+                        <a:rPr lang="en-US" sz="2000" b="0" i="1" smtClean="0">
+                          <a:latin typeface="Cambria Math" panose="02040503050406030204" pitchFamily="18" charset="0"/>
+                        </a:rPr>
+                        <m:t>∗</m:t>
+                      </m:r>
+                      <m:sSub>
+                        <m:sSubPr>
+                          <m:ctrlPr>
+                            <a:rPr lang="en-US" sz="2000" b="0" i="1" smtClean="0">
+                              <a:latin typeface="Cambria Math" panose="02040503050406030204" pitchFamily="18" charset="0"/>
+                            </a:rPr>
+                          </m:ctrlPr>
+                        </m:sSubPr>
+                        <m:e>
+                          <m:r>
+                            <a:rPr lang="en-US" sz="2000" b="0" i="1" smtClean="0">
+                              <a:latin typeface="Cambria Math" panose="02040503050406030204" pitchFamily="18" charset="0"/>
+                            </a:rPr>
+                            <m:t>𝑛</m:t>
+                          </m:r>
+                        </m:e>
+                        <m:sub>
+                          <m:r>
+                            <a:rPr lang="en-US" sz="2000" b="0" i="1" smtClean="0">
+                              <a:latin typeface="Cambria Math" panose="02040503050406030204" pitchFamily="18" charset="0"/>
+                            </a:rPr>
+                            <m:t>𝑒𝑓𝑓</m:t>
+                          </m:r>
+                        </m:sub>
+                      </m:sSub>
+                    </m:oMath>
+                  </m:oMathPara>
+                </a14:m>
+                <a:endParaRPr lang="en-US" sz="2000" dirty="0"/>
+              </a:p>
+              <a:p>
+                <a:pPr marL="0" indent="0">
+                  <a:lnSpc>
+                    <a:spcPct val="100000"/>
+                  </a:lnSpc>
+                  <a:buNone/>
+                </a:pPr>
+                <a14:m>
+                  <m:oMath xmlns:m="http://schemas.openxmlformats.org/officeDocument/2006/math">
+                    <m:sSub>
+                      <m:sSubPr>
+                        <m:ctrlPr>
+                          <a:rPr lang="en-US" sz="2000" i="1">
+                            <a:latin typeface="Cambria Math" panose="02040503050406030204" pitchFamily="18" charset="0"/>
+                          </a:rPr>
+                        </m:ctrlPr>
+                      </m:sSubPr>
+                      <m:e>
+                        <m:r>
+                          <a:rPr lang="en-US" sz="2000" i="1">
+                            <a:latin typeface="Cambria Math" panose="02040503050406030204" pitchFamily="18" charset="0"/>
+                          </a:rPr>
+                          <m:t>𝑛</m:t>
+                        </m:r>
+                      </m:e>
+                      <m:sub>
+                        <m:r>
+                          <a:rPr lang="en-US" sz="2000" i="1">
+                            <a:latin typeface="Cambria Math" panose="02040503050406030204" pitchFamily="18" charset="0"/>
+                          </a:rPr>
+                          <m:t>𝑒𝑓𝑓</m:t>
+                        </m:r>
+                      </m:sub>
+                    </m:sSub>
+                  </m:oMath>
+                </a14:m>
+                <a:r>
+                  <a:rPr lang="en-US" sz="2000" dirty="0"/>
+                  <a:t> is the sample needed under the SRS design and </a:t>
+                </a:r>
+                <a14:m>
+                  <m:oMath xmlns:m="http://schemas.openxmlformats.org/officeDocument/2006/math">
+                    <m:r>
+                      <a:rPr lang="en-US" sz="2000" i="1">
+                        <a:latin typeface="Cambria Math" panose="02040503050406030204" pitchFamily="18" charset="0"/>
+                      </a:rPr>
+                      <m:t>𝑛</m:t>
+                    </m:r>
+                  </m:oMath>
+                </a14:m>
+                <a:r>
+                  <a:rPr lang="en-US" sz="2000" dirty="0"/>
+                  <a:t> is the actual sample size for the complex sampling design.</a:t>
+                </a:r>
+              </a:p>
+            </p:txBody>
+          </p:sp>
+        </mc:Choice>
+        <mc:Fallback>
+          <p:sp>
+            <p:nvSpPr>
+              <p:cNvPr id="3" name="Content Placeholder 2">
+                <a:extLst>
+                  <a:ext uri="{FF2B5EF4-FFF2-40B4-BE49-F238E27FC236}">
+                    <a16:creationId xmlns:a16="http://schemas.microsoft.com/office/drawing/2014/main" id="{4ECBD602-AF4F-72FA-4551-872FE8FDDD7E}"/>
+                  </a:ext>
+                </a:extLst>
+              </p:cNvPr>
+              <p:cNvSpPr>
+                <a:spLocks noGrp="1" noRot="1" noChangeAspect="1" noMove="1" noResize="1" noEditPoints="1" noAdjustHandles="1" noChangeArrowheads="1" noChangeShapeType="1" noTextEdit="1"/>
+              </p:cNvSpPr>
+              <p:nvPr>
+                <p:ph idx="1"/>
+              </p:nvPr>
+            </p:nvSpPr>
+            <p:spPr>
+              <a:blipFill>
+                <a:blip r:embed="rId2"/>
+                <a:stretch>
+                  <a:fillRect l="-724" t="-581"/>
+                </a:stretch>
+              </a:blipFill>
+            </p:spPr>
+            <p:txBody>
+              <a:bodyPr/>
+              <a:lstStyle/>
+              <a:p>
+                <a:r>
+                  <a:rPr lang="en-US">
+                    <a:noFill/>
+                  </a:rPr>
+                  <a:t> </a:t>
+                </a:r>
+              </a:p>
+            </p:txBody>
+          </p:sp>
+        </mc:Fallback>
+      </mc:AlternateContent>
+      <p:sp>
+        <p:nvSpPr>
+          <p:cNvPr id="4" name="Date Placeholder 3">
+            <a:extLst>
+              <a:ext uri="{FF2B5EF4-FFF2-40B4-BE49-F238E27FC236}">
+                <a16:creationId xmlns:a16="http://schemas.microsoft.com/office/drawing/2014/main" id="{62272D05-85FF-C582-F868-C7D1806354F1}"/>
+              </a:ext>
+            </a:extLst>
+          </p:cNvPr>
+          <p:cNvSpPr>
+            <a:spLocks noGrp="1"/>
+          </p:cNvSpPr>
+          <p:nvPr>
+            <p:ph type="dt" sz="half" idx="10"/>
+          </p:nvPr>
+        </p:nvSpPr>
+        <p:spPr/>
+        <p:txBody>
+          <a:bodyPr/>
+          <a:lstStyle/>
+          <a:p>
+            <a:r>
+              <a:rPr lang="en-US"/>
+              <a:t>11 May 2022</a:t>
+            </a:r>
+          </a:p>
+        </p:txBody>
+      </p:sp>
+      <p:sp>
+        <p:nvSpPr>
+          <p:cNvPr id="5" name="Slide Number Placeholder 4">
+            <a:extLst>
+              <a:ext uri="{FF2B5EF4-FFF2-40B4-BE49-F238E27FC236}">
+                <a16:creationId xmlns:a16="http://schemas.microsoft.com/office/drawing/2014/main" id="{ADE475E9-12C9-32CD-884B-4F3A6128D527}"/>
+              </a:ext>
+            </a:extLst>
+          </p:cNvPr>
+          <p:cNvSpPr>
+            <a:spLocks noGrp="1"/>
+          </p:cNvSpPr>
+          <p:nvPr>
+            <p:ph type="sldNum" sz="quarter" idx="12"/>
+          </p:nvPr>
+        </p:nvSpPr>
+        <p:spPr/>
+        <p:txBody>
+          <a:bodyPr/>
+          <a:lstStyle/>
+          <a:p>
+            <a:fld id="{BBEA9D41-9AF1-9B4E-9C34-CE71C23DCD02}" type="slidenum">
+              <a:rPr lang="en-US" smtClean="0"/>
+              <a:t>19</a:t>
+            </a:fld>
+            <a:endParaRPr lang="en-US"/>
+          </a:p>
+        </p:txBody>
+      </p:sp>
+      <p:sp>
+        <p:nvSpPr>
+          <p:cNvPr id="7" name="Footer Placeholder 6">
+            <a:extLst>
+              <a:ext uri="{FF2B5EF4-FFF2-40B4-BE49-F238E27FC236}">
+                <a16:creationId xmlns:a16="http://schemas.microsoft.com/office/drawing/2014/main" id="{2B3661D9-0B37-13EF-6A29-6F1AA409DE25}"/>
+              </a:ext>
+            </a:extLst>
+          </p:cNvPr>
+          <p:cNvSpPr>
+            <a:spLocks noGrp="1"/>
+          </p:cNvSpPr>
+          <p:nvPr>
+            <p:ph type="ftr" sz="quarter" idx="11"/>
+          </p:nvPr>
+        </p:nvSpPr>
+        <p:spPr/>
+        <p:txBody>
+          <a:bodyPr/>
+          <a:lstStyle/>
+          <a:p>
+            <a:r>
+              <a:rPr lang="en-US"/>
+              <a:t>https://github.com/samplics-org/aapor_short_course_may2022</a:t>
+            </a:r>
+          </a:p>
+        </p:txBody>
+      </p:sp>
+    </p:spTree>
+    <p:extLst>
+      <p:ext uri="{BB962C8B-B14F-4D97-AF65-F5344CB8AC3E}">
+        <p14:creationId xmlns:p14="http://schemas.microsoft.com/office/powerpoint/2010/main" val="3955633181"/>
       </p:ext>
     </p:extLst>
   </p:cSld>
@@ -8693,11 +11607,10 @@
           <a:bodyPr/>
           <a:lstStyle/>
           <a:p>
-            <a:fld id="{AC16B006-F8B0-B849-9F3B-9C49E283296A}" type="datetime3">
-              <a:rPr lang="en-US" smtClean="0"/>
-              <a:t>3 May 2022</a:t>
-            </a:fld>
-            <a:endParaRPr lang="en-US"/>
+            <a:r>
+              <a:rPr lang="en-US"/>
+              <a:t>11 May 2022</a:t>
+            </a:r>
           </a:p>
         </p:txBody>
       </p:sp>
@@ -8762,6 +11675,718 @@
     <p:extLst>
       <p:ext uri="{BB962C8B-B14F-4D97-AF65-F5344CB8AC3E}">
         <p14:creationId xmlns:p14="http://schemas.microsoft.com/office/powerpoint/2010/main" val="3713016342"/>
+      </p:ext>
+    </p:extLst>
+  </p:cSld>
+  <p:clrMapOvr>
+    <a:masterClrMapping/>
+  </p:clrMapOvr>
+</p:sld>
+</file>
+
+<file path=ppt/slides/slide20.xml><?xml version="1.0" encoding="utf-8"?>
+<p:sld xmlns:a="http://schemas.openxmlformats.org/drawingml/2006/main" xmlns:r="http://schemas.openxmlformats.org/officeDocument/2006/relationships" xmlns:p="http://schemas.openxmlformats.org/presentationml/2006/main">
+  <p:cSld>
+    <p:spTree>
+      <p:nvGrpSpPr>
+        <p:cNvPr id="1" name=""/>
+        <p:cNvGrpSpPr/>
+        <p:nvPr/>
+      </p:nvGrpSpPr>
+      <p:grpSpPr>
+        <a:xfrm>
+          <a:off x="0" y="0"/>
+          <a:ext cx="0" cy="0"/>
+          <a:chOff x="0" y="0"/>
+          <a:chExt cx="0" cy="0"/>
+        </a:xfrm>
+      </p:grpSpPr>
+      <p:sp>
+        <p:nvSpPr>
+          <p:cNvPr id="2" name="Title 1">
+            <a:extLst>
+              <a:ext uri="{FF2B5EF4-FFF2-40B4-BE49-F238E27FC236}">
+                <a16:creationId xmlns:a16="http://schemas.microsoft.com/office/drawing/2014/main" id="{1C8A4616-1F12-80EB-8946-E6702C03441E}"/>
+              </a:ext>
+            </a:extLst>
+          </p:cNvPr>
+          <p:cNvSpPr>
+            <a:spLocks noGrp="1"/>
+          </p:cNvSpPr>
+          <p:nvPr>
+            <p:ph type="title"/>
+          </p:nvPr>
+        </p:nvSpPr>
+        <p:spPr/>
+        <p:txBody>
+          <a:bodyPr/>
+          <a:lstStyle/>
+          <a:p>
+            <a:r>
+              <a:rPr lang="en-US" dirty="0"/>
+              <a:t>Design effect</a:t>
+            </a:r>
+            <a:br>
+              <a:rPr lang="en-US" dirty="0"/>
+            </a:br>
+            <a:r>
+              <a:rPr lang="en-US" sz="3200" dirty="0">
+                <a:solidFill>
+                  <a:schemeClr val="accent4"/>
+                </a:solidFill>
+              </a:rPr>
+              <a:t>A useful decomposition</a:t>
+            </a:r>
+          </a:p>
+        </p:txBody>
+      </p:sp>
+      <mc:AlternateContent xmlns:mc="http://schemas.openxmlformats.org/markup-compatibility/2006">
+        <mc:Choice xmlns:a14="http://schemas.microsoft.com/office/drawing/2010/main" Requires="a14">
+          <p:sp>
+            <p:nvSpPr>
+              <p:cNvPr id="3" name="Content Placeholder 2">
+                <a:extLst>
+                  <a:ext uri="{FF2B5EF4-FFF2-40B4-BE49-F238E27FC236}">
+                    <a16:creationId xmlns:a16="http://schemas.microsoft.com/office/drawing/2014/main" id="{4ECBD602-AF4F-72FA-4551-872FE8FDDD7E}"/>
+                  </a:ext>
+                </a:extLst>
+              </p:cNvPr>
+              <p:cNvSpPr>
+                <a:spLocks noGrp="1"/>
+              </p:cNvSpPr>
+              <p:nvPr>
+                <p:ph idx="1"/>
+              </p:nvPr>
+            </p:nvSpPr>
+            <p:spPr/>
+            <p:txBody>
+              <a:bodyPr>
+                <a:normAutofit/>
+              </a:bodyPr>
+              <a:lstStyle/>
+              <a:p>
+                <a:pPr marL="0" indent="0">
+                  <a:lnSpc>
+                    <a:spcPct val="150000"/>
+                  </a:lnSpc>
+                  <a:buNone/>
+                </a:pPr>
+                <a:r>
+                  <a:rPr lang="en-US" sz="2000" dirty="0"/>
+                  <a:t>A practical decomposition of </a:t>
+                </a:r>
+                <a14:m>
+                  <m:oMath xmlns:m="http://schemas.openxmlformats.org/officeDocument/2006/math">
+                    <m:r>
+                      <a:rPr lang="en-US" sz="2000" i="1" dirty="0" smtClean="0">
+                        <a:latin typeface="Cambria Math" panose="02040503050406030204" pitchFamily="18" charset="0"/>
+                      </a:rPr>
+                      <m:t>𝐷𝐸𝐹𝐹</m:t>
+                    </m:r>
+                  </m:oMath>
+                </a14:m>
+                <a:r>
+                  <a:rPr lang="en-US" sz="2000" dirty="0"/>
+                  <a:t> is </a:t>
+                </a:r>
+              </a:p>
+              <a:p>
+                <a:pPr marL="0" indent="0">
+                  <a:lnSpc>
+                    <a:spcPct val="150000"/>
+                  </a:lnSpc>
+                  <a:buNone/>
+                </a:pPr>
+                <a14:m>
+                  <m:oMathPara xmlns:m="http://schemas.openxmlformats.org/officeDocument/2006/math">
+                    <m:oMathParaPr>
+                      <m:jc m:val="centerGroup"/>
+                    </m:oMathParaPr>
+                    <m:oMath xmlns:m="http://schemas.openxmlformats.org/officeDocument/2006/math">
+                      <m:r>
+                        <a:rPr lang="en-US" sz="2000" b="0" i="1" smtClean="0">
+                          <a:latin typeface="Cambria Math" panose="02040503050406030204" pitchFamily="18" charset="0"/>
+                        </a:rPr>
+                        <m:t>𝐷𝐸𝐹𝐹</m:t>
+                      </m:r>
+                      <m:r>
+                        <a:rPr lang="en-US" sz="2000" b="0" i="1" smtClean="0">
+                          <a:latin typeface="Cambria Math" panose="02040503050406030204" pitchFamily="18" charset="0"/>
+                        </a:rPr>
+                        <m:t>=</m:t>
+                      </m:r>
+                      <m:sSub>
+                        <m:sSubPr>
+                          <m:ctrlPr>
+                            <a:rPr lang="en-US" sz="2000" b="0" i="1" smtClean="0">
+                              <a:latin typeface="Cambria Math" panose="02040503050406030204" pitchFamily="18" charset="0"/>
+                            </a:rPr>
+                          </m:ctrlPr>
+                        </m:sSubPr>
+                        <m:e>
+                          <m:r>
+                            <a:rPr lang="en-US" sz="2000" b="0" i="1" smtClean="0">
+                              <a:latin typeface="Cambria Math" panose="02040503050406030204" pitchFamily="18" charset="0"/>
+                            </a:rPr>
+                            <m:t>𝐷𝐸𝐹𝐹</m:t>
+                          </m:r>
+                        </m:e>
+                        <m:sub>
+                          <m:r>
+                            <a:rPr lang="en-US" sz="2000" b="0" i="1" smtClean="0">
+                              <a:latin typeface="Cambria Math" panose="02040503050406030204" pitchFamily="18" charset="0"/>
+                            </a:rPr>
+                            <m:t>𝑐</m:t>
+                          </m:r>
+                        </m:sub>
+                      </m:sSub>
+                      <m:r>
+                        <a:rPr lang="en-US" sz="2000" b="0" i="1" smtClean="0">
+                          <a:latin typeface="Cambria Math" panose="02040503050406030204" pitchFamily="18" charset="0"/>
+                        </a:rPr>
+                        <m:t>∗</m:t>
+                      </m:r>
+                      <m:sSub>
+                        <m:sSubPr>
+                          <m:ctrlPr>
+                            <a:rPr lang="en-US" sz="2000" b="0" i="1" smtClean="0">
+                              <a:latin typeface="Cambria Math" panose="02040503050406030204" pitchFamily="18" charset="0"/>
+                            </a:rPr>
+                          </m:ctrlPr>
+                        </m:sSubPr>
+                        <m:e>
+                          <m:r>
+                            <a:rPr lang="en-US" sz="2000" b="0" i="1" smtClean="0">
+                              <a:latin typeface="Cambria Math" panose="02040503050406030204" pitchFamily="18" charset="0"/>
+                            </a:rPr>
+                            <m:t>𝐷𝐸𝐹𝐹</m:t>
+                          </m:r>
+                        </m:e>
+                        <m:sub>
+                          <m:r>
+                            <a:rPr lang="en-US" sz="2000" b="0" i="1" smtClean="0">
+                              <a:latin typeface="Cambria Math" panose="02040503050406030204" pitchFamily="18" charset="0"/>
+                            </a:rPr>
+                            <m:t>𝑤</m:t>
+                          </m:r>
+                        </m:sub>
+                      </m:sSub>
+                      <m:r>
+                        <a:rPr lang="en-US" sz="2000" b="0" i="1" smtClean="0">
+                          <a:latin typeface="Cambria Math" panose="02040503050406030204" pitchFamily="18" charset="0"/>
+                        </a:rPr>
+                        <m:t>,</m:t>
+                      </m:r>
+                    </m:oMath>
+                  </m:oMathPara>
+                </a14:m>
+                <a:endParaRPr lang="en-US" sz="2000" b="0" dirty="0"/>
+              </a:p>
+              <a:p>
+                <a:pPr marL="0" indent="0">
+                  <a:lnSpc>
+                    <a:spcPct val="150000"/>
+                  </a:lnSpc>
+                  <a:buNone/>
+                </a:pPr>
+                <a:r>
+                  <a:rPr lang="en-US" sz="2000" dirty="0"/>
+                  <a:t>where </a:t>
+                </a:r>
+              </a:p>
+              <a:p>
+                <a:pPr lvl="1">
+                  <a:lnSpc>
+                    <a:spcPct val="150000"/>
+                  </a:lnSpc>
+                </a:pPr>
+                <a14:m>
+                  <m:oMath xmlns:m="http://schemas.openxmlformats.org/officeDocument/2006/math">
+                    <m:sSub>
+                      <m:sSubPr>
+                        <m:ctrlPr>
+                          <a:rPr lang="en-US" sz="1600" i="1">
+                            <a:latin typeface="Cambria Math" panose="02040503050406030204" pitchFamily="18" charset="0"/>
+                          </a:rPr>
+                        </m:ctrlPr>
+                      </m:sSubPr>
+                      <m:e>
+                        <m:r>
+                          <a:rPr lang="en-US" sz="1600" i="1">
+                            <a:latin typeface="Cambria Math" panose="02040503050406030204" pitchFamily="18" charset="0"/>
+                          </a:rPr>
+                          <m:t>𝐷𝐸𝐹𝐹</m:t>
+                        </m:r>
+                      </m:e>
+                      <m:sub>
+                        <m:r>
+                          <a:rPr lang="en-US" sz="1600" i="1">
+                            <a:latin typeface="Cambria Math" panose="02040503050406030204" pitchFamily="18" charset="0"/>
+                          </a:rPr>
+                          <m:t>𝑐</m:t>
+                        </m:r>
+                      </m:sub>
+                    </m:sSub>
+                    <m:r>
+                      <a:rPr lang="en-US" sz="1600" b="0" i="1" smtClean="0">
+                        <a:latin typeface="Cambria Math" panose="02040503050406030204" pitchFamily="18" charset="0"/>
+                      </a:rPr>
+                      <m:t>=1+(</m:t>
+                    </m:r>
+                    <m:acc>
+                      <m:accPr>
+                        <m:chr m:val="̅"/>
+                        <m:ctrlPr>
+                          <a:rPr lang="en-US" sz="1600" b="0" i="1" smtClean="0">
+                            <a:latin typeface="Cambria Math" panose="02040503050406030204" pitchFamily="18" charset="0"/>
+                          </a:rPr>
+                        </m:ctrlPr>
+                      </m:accPr>
+                      <m:e>
+                        <m:r>
+                          <a:rPr lang="en-US" sz="1600" b="0" i="1" smtClean="0">
+                            <a:latin typeface="Cambria Math" panose="02040503050406030204" pitchFamily="18" charset="0"/>
+                          </a:rPr>
+                          <m:t>𝑏</m:t>
+                        </m:r>
+                      </m:e>
+                    </m:acc>
+                    <m:r>
+                      <a:rPr lang="en-US" sz="1600" b="0" i="1" smtClean="0">
+                        <a:latin typeface="Cambria Math" panose="02040503050406030204" pitchFamily="18" charset="0"/>
+                      </a:rPr>
+                      <m:t>−1)</m:t>
+                    </m:r>
+                    <m:r>
+                      <a:rPr lang="en-US" sz="1600" b="0" i="1" smtClean="0">
+                        <a:latin typeface="Cambria Math" panose="02040503050406030204" pitchFamily="18" charset="0"/>
+                        <a:ea typeface="Cambria Math" panose="02040503050406030204" pitchFamily="18" charset="0"/>
+                      </a:rPr>
+                      <m:t>𝜌</m:t>
+                    </m:r>
+                  </m:oMath>
+                </a14:m>
+                <a:r>
+                  <a:rPr lang="en-US" sz="1600" dirty="0"/>
+                  <a:t> is the design effect due to clustering </a:t>
+                </a:r>
+              </a:p>
+              <a:p>
+                <a:pPr lvl="2">
+                  <a:lnSpc>
+                    <a:spcPct val="150000"/>
+                  </a:lnSpc>
+                </a:pPr>
+                <a14:m>
+                  <m:oMath xmlns:m="http://schemas.openxmlformats.org/officeDocument/2006/math">
+                    <m:acc>
+                      <m:accPr>
+                        <m:chr m:val="̅"/>
+                        <m:ctrlPr>
+                          <a:rPr lang="en-US" sz="1200" i="1">
+                            <a:latin typeface="Cambria Math" panose="02040503050406030204" pitchFamily="18" charset="0"/>
+                          </a:rPr>
+                        </m:ctrlPr>
+                      </m:accPr>
+                      <m:e>
+                        <m:r>
+                          <a:rPr lang="en-US" sz="1200" i="1">
+                            <a:latin typeface="Cambria Math" panose="02040503050406030204" pitchFamily="18" charset="0"/>
+                          </a:rPr>
+                          <m:t>𝑏</m:t>
+                        </m:r>
+                      </m:e>
+                    </m:acc>
+                  </m:oMath>
+                </a14:m>
+                <a:r>
+                  <a:rPr lang="en-US" sz="1200" dirty="0"/>
+                  <a:t> is the average cluster size</a:t>
+                </a:r>
+              </a:p>
+              <a:p>
+                <a:pPr lvl="2">
+                  <a:lnSpc>
+                    <a:spcPct val="150000"/>
+                  </a:lnSpc>
+                </a:pPr>
+                <a14:m>
+                  <m:oMath xmlns:m="http://schemas.openxmlformats.org/officeDocument/2006/math">
+                    <m:r>
+                      <a:rPr lang="en-US" sz="1200" i="1">
+                        <a:latin typeface="Cambria Math" panose="02040503050406030204" pitchFamily="18" charset="0"/>
+                        <a:ea typeface="Cambria Math" panose="02040503050406030204" pitchFamily="18" charset="0"/>
+                      </a:rPr>
+                      <m:t>𝜌</m:t>
+                    </m:r>
+                  </m:oMath>
+                </a14:m>
+                <a:r>
+                  <a:rPr lang="en-US" sz="1200" dirty="0"/>
+                  <a:t> is the intraclass correlation coefficient</a:t>
+                </a:r>
+              </a:p>
+              <a:p>
+                <a:pPr lvl="1">
+                  <a:lnSpc>
+                    <a:spcPct val="150000"/>
+                  </a:lnSpc>
+                </a:pPr>
+                <a14:m>
+                  <m:oMath xmlns:m="http://schemas.openxmlformats.org/officeDocument/2006/math">
+                    <m:sSub>
+                      <m:sSubPr>
+                        <m:ctrlPr>
+                          <a:rPr lang="en-US" sz="1600" i="1">
+                            <a:latin typeface="Cambria Math" panose="02040503050406030204" pitchFamily="18" charset="0"/>
+                          </a:rPr>
+                        </m:ctrlPr>
+                      </m:sSubPr>
+                      <m:e>
+                        <m:r>
+                          <a:rPr lang="en-US" sz="1600" i="1">
+                            <a:latin typeface="Cambria Math" panose="02040503050406030204" pitchFamily="18" charset="0"/>
+                          </a:rPr>
+                          <m:t>𝐷𝐸𝐹𝐹</m:t>
+                        </m:r>
+                      </m:e>
+                      <m:sub>
+                        <m:r>
+                          <a:rPr lang="en-US" sz="1600" i="1">
+                            <a:latin typeface="Cambria Math" panose="02040503050406030204" pitchFamily="18" charset="0"/>
+                          </a:rPr>
+                          <m:t>𝑤</m:t>
+                        </m:r>
+                      </m:sub>
+                    </m:sSub>
+                    <m:r>
+                      <a:rPr lang="en-US" sz="1600" b="0" i="0" smtClean="0">
+                        <a:latin typeface="Cambria Math" panose="02040503050406030204" pitchFamily="18" charset="0"/>
+                      </a:rPr>
+                      <m:t>=1+</m:t>
+                    </m:r>
+                    <m:sSup>
+                      <m:sSupPr>
+                        <m:ctrlPr>
+                          <a:rPr lang="en-US" sz="1600" b="0" i="1" smtClean="0">
+                            <a:latin typeface="Cambria Math" panose="02040503050406030204" pitchFamily="18" charset="0"/>
+                          </a:rPr>
+                        </m:ctrlPr>
+                      </m:sSupPr>
+                      <m:e>
+                        <m:r>
+                          <a:rPr lang="en-US" sz="1600" b="0" i="1" smtClean="0">
+                            <a:latin typeface="Cambria Math" panose="02040503050406030204" pitchFamily="18" charset="0"/>
+                          </a:rPr>
+                          <m:t>𝐶𝑉</m:t>
+                        </m:r>
+                        <m:r>
+                          <a:rPr lang="en-US" sz="1600" b="0" i="1" smtClean="0">
+                            <a:latin typeface="Cambria Math" panose="02040503050406030204" pitchFamily="18" charset="0"/>
+                          </a:rPr>
+                          <m:t>(</m:t>
+                        </m:r>
+                        <m:r>
+                          <a:rPr lang="en-US" sz="1600" b="0" i="1" smtClean="0">
+                            <a:latin typeface="Cambria Math" panose="02040503050406030204" pitchFamily="18" charset="0"/>
+                          </a:rPr>
+                          <m:t>𝑤</m:t>
+                        </m:r>
+                        <m:r>
+                          <a:rPr lang="en-US" sz="1600" b="0" i="1" smtClean="0">
+                            <a:latin typeface="Cambria Math" panose="02040503050406030204" pitchFamily="18" charset="0"/>
+                          </a:rPr>
+                          <m:t>)</m:t>
+                        </m:r>
+                      </m:e>
+                      <m:sup>
+                        <m:r>
+                          <a:rPr lang="en-US" sz="1600" b="0" i="1" smtClean="0">
+                            <a:latin typeface="Cambria Math" panose="02040503050406030204" pitchFamily="18" charset="0"/>
+                          </a:rPr>
+                          <m:t>2</m:t>
+                        </m:r>
+                      </m:sup>
+                    </m:sSup>
+                  </m:oMath>
+                </a14:m>
+                <a:r>
+                  <a:rPr lang="en-US" sz="1600" dirty="0"/>
+                  <a:t> is the design effect due to weighting</a:t>
+                </a:r>
+              </a:p>
+              <a:p>
+                <a:pPr lvl="2">
+                  <a:lnSpc>
+                    <a:spcPct val="150000"/>
+                  </a:lnSpc>
+                </a:pPr>
+                <a14:m>
+                  <m:oMath xmlns:m="http://schemas.openxmlformats.org/officeDocument/2006/math">
+                    <m:r>
+                      <a:rPr lang="en-US" sz="1200" i="1">
+                        <a:latin typeface="Cambria Math" panose="02040503050406030204" pitchFamily="18" charset="0"/>
+                      </a:rPr>
+                      <m:t>𝐶𝑉</m:t>
+                    </m:r>
+                    <m:r>
+                      <a:rPr lang="en-US" sz="1200" i="1">
+                        <a:latin typeface="Cambria Math" panose="02040503050406030204" pitchFamily="18" charset="0"/>
+                      </a:rPr>
+                      <m:t>(</m:t>
+                    </m:r>
+                    <m:r>
+                      <a:rPr lang="en-US" sz="1200" i="1">
+                        <a:latin typeface="Cambria Math" panose="02040503050406030204" pitchFamily="18" charset="0"/>
+                      </a:rPr>
+                      <m:t>𝑤</m:t>
+                    </m:r>
+                    <m:r>
+                      <a:rPr lang="en-US" sz="1200" i="1">
+                        <a:latin typeface="Cambria Math" panose="02040503050406030204" pitchFamily="18" charset="0"/>
+                      </a:rPr>
+                      <m:t>)</m:t>
+                    </m:r>
+                  </m:oMath>
+                </a14:m>
+                <a:r>
+                  <a:rPr lang="en-US" sz="1200" dirty="0"/>
+                  <a:t> is the relative variance (coefficient of variation) of the sample weights</a:t>
+                </a:r>
+              </a:p>
+            </p:txBody>
+          </p:sp>
+        </mc:Choice>
+        <mc:Fallback>
+          <p:sp>
+            <p:nvSpPr>
+              <p:cNvPr id="3" name="Content Placeholder 2">
+                <a:extLst>
+                  <a:ext uri="{FF2B5EF4-FFF2-40B4-BE49-F238E27FC236}">
+                    <a16:creationId xmlns:a16="http://schemas.microsoft.com/office/drawing/2014/main" id="{4ECBD602-AF4F-72FA-4551-872FE8FDDD7E}"/>
+                  </a:ext>
+                </a:extLst>
+              </p:cNvPr>
+              <p:cNvSpPr>
+                <a:spLocks noGrp="1" noRot="1" noChangeAspect="1" noMove="1" noResize="1" noEditPoints="1" noAdjustHandles="1" noChangeArrowheads="1" noChangeShapeType="1" noTextEdit="1"/>
+              </p:cNvSpPr>
+              <p:nvPr>
+                <p:ph idx="1"/>
+              </p:nvPr>
+            </p:nvSpPr>
+            <p:spPr>
+              <a:blipFill>
+                <a:blip r:embed="rId2"/>
+                <a:stretch>
+                  <a:fillRect l="-724"/>
+                </a:stretch>
+              </a:blipFill>
+            </p:spPr>
+            <p:txBody>
+              <a:bodyPr/>
+              <a:lstStyle/>
+              <a:p>
+                <a:r>
+                  <a:rPr lang="en-US">
+                    <a:noFill/>
+                  </a:rPr>
+                  <a:t> </a:t>
+                </a:r>
+              </a:p>
+            </p:txBody>
+          </p:sp>
+        </mc:Fallback>
+      </mc:AlternateContent>
+      <p:sp>
+        <p:nvSpPr>
+          <p:cNvPr id="4" name="Date Placeholder 3">
+            <a:extLst>
+              <a:ext uri="{FF2B5EF4-FFF2-40B4-BE49-F238E27FC236}">
+                <a16:creationId xmlns:a16="http://schemas.microsoft.com/office/drawing/2014/main" id="{62272D05-85FF-C582-F868-C7D1806354F1}"/>
+              </a:ext>
+            </a:extLst>
+          </p:cNvPr>
+          <p:cNvSpPr>
+            <a:spLocks noGrp="1"/>
+          </p:cNvSpPr>
+          <p:nvPr>
+            <p:ph type="dt" sz="half" idx="10"/>
+          </p:nvPr>
+        </p:nvSpPr>
+        <p:spPr/>
+        <p:txBody>
+          <a:bodyPr/>
+          <a:lstStyle/>
+          <a:p>
+            <a:r>
+              <a:rPr lang="en-US"/>
+              <a:t>11 May 2022</a:t>
+            </a:r>
+          </a:p>
+        </p:txBody>
+      </p:sp>
+      <p:sp>
+        <p:nvSpPr>
+          <p:cNvPr id="5" name="Slide Number Placeholder 4">
+            <a:extLst>
+              <a:ext uri="{FF2B5EF4-FFF2-40B4-BE49-F238E27FC236}">
+                <a16:creationId xmlns:a16="http://schemas.microsoft.com/office/drawing/2014/main" id="{ADE475E9-12C9-32CD-884B-4F3A6128D527}"/>
+              </a:ext>
+            </a:extLst>
+          </p:cNvPr>
+          <p:cNvSpPr>
+            <a:spLocks noGrp="1"/>
+          </p:cNvSpPr>
+          <p:nvPr>
+            <p:ph type="sldNum" sz="quarter" idx="12"/>
+          </p:nvPr>
+        </p:nvSpPr>
+        <p:spPr/>
+        <p:txBody>
+          <a:bodyPr/>
+          <a:lstStyle/>
+          <a:p>
+            <a:fld id="{BBEA9D41-9AF1-9B4E-9C34-CE71C23DCD02}" type="slidenum">
+              <a:rPr lang="en-US" smtClean="0"/>
+              <a:t>20</a:t>
+            </a:fld>
+            <a:endParaRPr lang="en-US"/>
+          </a:p>
+        </p:txBody>
+      </p:sp>
+      <p:sp>
+        <p:nvSpPr>
+          <p:cNvPr id="7" name="Footer Placeholder 6">
+            <a:extLst>
+              <a:ext uri="{FF2B5EF4-FFF2-40B4-BE49-F238E27FC236}">
+                <a16:creationId xmlns:a16="http://schemas.microsoft.com/office/drawing/2014/main" id="{2B3661D9-0B37-13EF-6A29-6F1AA409DE25}"/>
+              </a:ext>
+            </a:extLst>
+          </p:cNvPr>
+          <p:cNvSpPr>
+            <a:spLocks noGrp="1"/>
+          </p:cNvSpPr>
+          <p:nvPr>
+            <p:ph type="ftr" sz="quarter" idx="11"/>
+          </p:nvPr>
+        </p:nvSpPr>
+        <p:spPr/>
+        <p:txBody>
+          <a:bodyPr/>
+          <a:lstStyle/>
+          <a:p>
+            <a:r>
+              <a:rPr lang="en-US"/>
+              <a:t>https://github.com/samplics-org/aapor_short_course_may2022</a:t>
+            </a:r>
+          </a:p>
+        </p:txBody>
+      </p:sp>
+    </p:spTree>
+    <p:extLst>
+      <p:ext uri="{BB962C8B-B14F-4D97-AF65-F5344CB8AC3E}">
+        <p14:creationId xmlns:p14="http://schemas.microsoft.com/office/powerpoint/2010/main" val="3632903992"/>
+      </p:ext>
+    </p:extLst>
+  </p:cSld>
+  <p:clrMapOvr>
+    <a:masterClrMapping/>
+  </p:clrMapOvr>
+</p:sld>
+</file>
+
+<file path=ppt/slides/slide21.xml><?xml version="1.0" encoding="utf-8"?>
+<p:sld xmlns:a="http://schemas.openxmlformats.org/drawingml/2006/main" xmlns:r="http://schemas.openxmlformats.org/officeDocument/2006/relationships" xmlns:p="http://schemas.openxmlformats.org/presentationml/2006/main">
+  <p:cSld>
+    <p:spTree>
+      <p:nvGrpSpPr>
+        <p:cNvPr id="1" name=""/>
+        <p:cNvGrpSpPr/>
+        <p:nvPr/>
+      </p:nvGrpSpPr>
+      <p:grpSpPr>
+        <a:xfrm>
+          <a:off x="0" y="0"/>
+          <a:ext cx="0" cy="0"/>
+          <a:chOff x="0" y="0"/>
+          <a:chExt cx="0" cy="0"/>
+        </a:xfrm>
+      </p:grpSpPr>
+      <p:sp>
+        <p:nvSpPr>
+          <p:cNvPr id="2" name="Title 1">
+            <a:extLst>
+              <a:ext uri="{FF2B5EF4-FFF2-40B4-BE49-F238E27FC236}">
+                <a16:creationId xmlns:a16="http://schemas.microsoft.com/office/drawing/2014/main" id="{D780D2DD-6342-92B1-588C-C946E296B204}"/>
+              </a:ext>
+            </a:extLst>
+          </p:cNvPr>
+          <p:cNvSpPr>
+            <a:spLocks noGrp="1"/>
+          </p:cNvSpPr>
+          <p:nvPr>
+            <p:ph type="ctrTitle"/>
+          </p:nvPr>
+        </p:nvSpPr>
+        <p:spPr/>
+        <p:txBody>
+          <a:bodyPr>
+            <a:normAutofit/>
+          </a:bodyPr>
+          <a:lstStyle/>
+          <a:p>
+            <a:r>
+              <a:rPr lang="en-US" dirty="0"/>
+              <a:t>Let’s use samplics!</a:t>
+            </a:r>
+            <a:endParaRPr lang="en-US" i="1" dirty="0"/>
+          </a:p>
+        </p:txBody>
+      </p:sp>
+      <p:sp>
+        <p:nvSpPr>
+          <p:cNvPr id="3" name="Subtitle 2">
+            <a:extLst>
+              <a:ext uri="{FF2B5EF4-FFF2-40B4-BE49-F238E27FC236}">
+                <a16:creationId xmlns:a16="http://schemas.microsoft.com/office/drawing/2014/main" id="{9A2F632D-6FAD-2BF3-C4EF-6A147D9DED4A}"/>
+              </a:ext>
+            </a:extLst>
+          </p:cNvPr>
+          <p:cNvSpPr>
+            <a:spLocks noGrp="1"/>
+          </p:cNvSpPr>
+          <p:nvPr>
+            <p:ph type="subTitle" idx="1"/>
+          </p:nvPr>
+        </p:nvSpPr>
+        <p:spPr/>
+        <p:txBody>
+          <a:bodyPr>
+            <a:normAutofit/>
+          </a:bodyPr>
+          <a:lstStyle/>
+          <a:p>
+            <a:endParaRPr lang="en-US" dirty="0"/>
+          </a:p>
+          <a:p>
+            <a:r>
+              <a:rPr lang="en-US" dirty="0"/>
+              <a:t>Mamadou S. Diallo</a:t>
+            </a:r>
+          </a:p>
+          <a:p>
+            <a:r>
+              <a:rPr lang="en-US" dirty="0" err="1"/>
+              <a:t>msdiallo@samplics.org</a:t>
+            </a:r>
+            <a:endParaRPr lang="en-US" dirty="0"/>
+          </a:p>
+        </p:txBody>
+      </p:sp>
+    </p:spTree>
+    <p:extLst>
+      <p:ext uri="{BB962C8B-B14F-4D97-AF65-F5344CB8AC3E}">
+        <p14:creationId xmlns:p14="http://schemas.microsoft.com/office/powerpoint/2010/main" val="126548142"/>
       </p:ext>
     </p:extLst>
   </p:cSld>
@@ -8884,11 +12509,10 @@
           <a:bodyPr/>
           <a:lstStyle/>
           <a:p>
-            <a:fld id="{9F834E56-3398-E345-8E1A-F091F2A96A27}" type="datetime3">
-              <a:rPr lang="en-US" smtClean="0"/>
-              <a:t>3 May 2022</a:t>
-            </a:fld>
-            <a:endParaRPr lang="en-US"/>
+            <a:r>
+              <a:rPr lang="en-US"/>
+              <a:t>11 May 2022</a:t>
+            </a:r>
           </a:p>
         </p:txBody>
       </p:sp>
@@ -9072,11 +12696,10 @@
           <a:bodyPr/>
           <a:lstStyle/>
           <a:p>
-            <a:fld id="{02D333E0-360F-5C4E-9CFD-D904A8197EA0}" type="datetime3">
-              <a:rPr lang="en-US" smtClean="0"/>
-              <a:t>3 May 2022</a:t>
-            </a:fld>
-            <a:endParaRPr lang="en-US"/>
+            <a:r>
+              <a:rPr lang="en-US"/>
+              <a:t>11 May 2022</a:t>
+            </a:r>
           </a:p>
         </p:txBody>
       </p:sp>
@@ -9374,7 +12997,7 @@
             <a:pPr lvl="1"/>
             <a:r>
               <a:rPr lang="en-US" sz="2000" dirty="0"/>
-              <a:t>Interpretation: number of units from the population presented by one sampling unit</a:t>
+              <a:t>Interpretation: number of units from the population represented by one sampling unit</a:t>
             </a:r>
           </a:p>
           <a:p>
@@ -9436,11 +13059,10 @@
           <a:bodyPr/>
           <a:lstStyle/>
           <a:p>
-            <a:fld id="{1FE44211-8D24-E34B-AFA9-648C48070E03}" type="datetime3">
-              <a:rPr lang="en-US" smtClean="0"/>
-              <a:t>3 May 2022</a:t>
-            </a:fld>
-            <a:endParaRPr lang="en-US"/>
+            <a:r>
+              <a:rPr lang="en-US"/>
+              <a:t>11 May 2022</a:t>
+            </a:r>
           </a:p>
         </p:txBody>
       </p:sp>
@@ -9678,11 +13300,10 @@
           <a:bodyPr/>
           <a:lstStyle/>
           <a:p>
-            <a:fld id="{037C44DA-C93F-A445-9DAE-1B992B0E60FF}" type="datetime3">
-              <a:rPr lang="en-US" smtClean="0"/>
-              <a:t>3 May 2022</a:t>
-            </a:fld>
-            <a:endParaRPr lang="en-US"/>
+            <a:r>
+              <a:rPr lang="en-US"/>
+              <a:t>11 May 2022</a:t>
+            </a:r>
           </a:p>
         </p:txBody>
       </p:sp>
@@ -9933,11 +13554,10 @@
           <a:bodyPr/>
           <a:lstStyle/>
           <a:p>
-            <a:fld id="{037C44DA-C93F-A445-9DAE-1B992B0E60FF}" type="datetime3">
-              <a:rPr lang="en-US" smtClean="0"/>
-              <a:t>3 May 2022</a:t>
-            </a:fld>
-            <a:endParaRPr lang="en-US"/>
+            <a:r>
+              <a:rPr lang="en-US"/>
+              <a:t>11 May 2022</a:t>
+            </a:r>
           </a:p>
         </p:txBody>
       </p:sp>
@@ -10300,11 +13920,10 @@
           <a:bodyPr/>
           <a:lstStyle/>
           <a:p>
-            <a:fld id="{2FD03208-DEE4-AF41-82DA-CF82542AB28A}" type="datetime3">
-              <a:rPr lang="en-US" smtClean="0"/>
-              <a:t>3 May 2022</a:t>
-            </a:fld>
-            <a:endParaRPr lang="en-US"/>
+            <a:r>
+              <a:rPr lang="en-US"/>
+              <a:t>11 May 2022</a:t>
+            </a:r>
           </a:p>
         </p:txBody>
       </p:sp>
@@ -10933,11 +14552,10 @@
           <a:bodyPr/>
           <a:lstStyle/>
           <a:p>
-            <a:fld id="{2FD03208-DEE4-AF41-82DA-CF82542AB28A}" type="datetime3">
-              <a:rPr lang="en-US" smtClean="0"/>
-              <a:t>3 May 2022</a:t>
-            </a:fld>
-            <a:endParaRPr lang="en-US"/>
+            <a:r>
+              <a:rPr lang="en-US"/>
+              <a:t>11 May 2022</a:t>
+            </a:r>
           </a:p>
         </p:txBody>
       </p:sp>
